--- a/Presentation/Nhom01.pptx
+++ b/Presentation/Nhom01.pptx
@@ -3272,7 +3272,7 @@
                 </a:solidFill>
                 <a:latin typeface="Montserrat Bold"/>
               </a:rPr>
-              <a:t>XÂY DỰNG MÔ HÌNH DỰ ĐOÁN</a:t>
+              <a:t>BUILDING A PREDICTION MODEL</a:t>
             </a:r>
           </a:p>
           <a:p>
@@ -3288,7 +3288,7 @@
                 </a:solidFill>
                 <a:latin typeface="Montserrat Bold"/>
               </a:rPr>
-              <a:t>SỰ TRÌ HOÃN CHUYẾN BAY</a:t>
+              <a:t>FLIGHT DELAYS</a:t>
             </a:r>
           </a:p>
         </p:txBody>
@@ -3320,13 +3320,13 @@
               </a:lnSpc>
             </a:pPr>
             <a:r>
-              <a:rPr lang="en-US" sz="3500">
+              <a:rPr lang="en-US" sz="3500" dirty="0">
                 <a:solidFill>
                   <a:srgbClr val="273755"/>
                 </a:solidFill>
                 <a:latin typeface="Noto Serif Bold"/>
               </a:rPr>
-              <a:t>NHÓM 01</a:t>
+              <a:t>GROUP 01</a:t>
             </a:r>
           </a:p>
         </p:txBody>
@@ -3415,7 +3415,7 @@
                 </a:solidFill>
                 <a:latin typeface="Noto Serif Bold"/>
               </a:rPr>
-              <a:t>V. THỰC NGHIỆM VÀ ĐÁNH GIÁ</a:t>
+              <a:t>V. EXPERIMENT AND EVALUATION</a:t>
             </a:r>
           </a:p>
         </p:txBody>
@@ -3583,7 +3583,7 @@
         </p:blipFill>
         <p:spPr>
           <a:xfrm>
-            <a:off x="3514817" y="3908113"/>
+            <a:off x="4448308" y="3938428"/>
             <a:ext cx="6683319" cy="1082134"/>
           </a:xfrm>
           <a:prstGeom prst="rect">
@@ -3613,7 +3613,7 @@
         </p:blipFill>
         <p:spPr>
           <a:xfrm>
-            <a:off x="3495765" y="5182818"/>
+            <a:off x="3505200" y="5257731"/>
             <a:ext cx="6721422" cy="800169"/>
           </a:xfrm>
           <a:prstGeom prst="rect">
@@ -3666,7 +3666,7 @@
         <p:spPr>
           <a:xfrm>
             <a:off x="828765" y="3065213"/>
-            <a:ext cx="2667000" cy="553998"/>
+            <a:ext cx="2667000" cy="584775"/>
           </a:xfrm>
           <a:prstGeom prst="rect">
             <a:avLst/>
@@ -3681,46 +3681,11 @@
           <a:p>
             <a:pPr algn="ctr"/>
             <a:r>
-              <a:rPr lang="en-US" sz="3000" dirty="0" err="1">
+              <a:rPr lang="en-US" sz="3200" dirty="0">
                 <a:latin typeface="Times New Roman" panose="02020603050405020304" pitchFamily="18" charset="0"/>
                 <a:cs typeface="Times New Roman" panose="02020603050405020304" pitchFamily="18" charset="0"/>
               </a:rPr>
-              <a:t>Cây</a:t>
-            </a:r>
-            <a:r>
-              <a:rPr lang="en-US" sz="3000" dirty="0">
-                <a:latin typeface="Times New Roman" panose="02020603050405020304" pitchFamily="18" charset="0"/>
-                <a:cs typeface="Times New Roman" panose="02020603050405020304" pitchFamily="18" charset="0"/>
-              </a:rPr>
-              <a:t> </a:t>
-            </a:r>
-            <a:r>
-              <a:rPr lang="en-US" sz="3000" dirty="0" err="1">
-                <a:latin typeface="Times New Roman" panose="02020603050405020304" pitchFamily="18" charset="0"/>
-                <a:cs typeface="Times New Roman" panose="02020603050405020304" pitchFamily="18" charset="0"/>
-              </a:rPr>
-              <a:t>quyết</a:t>
-            </a:r>
-            <a:r>
-              <a:rPr lang="en-US" sz="3000" dirty="0">
-                <a:latin typeface="Times New Roman" panose="02020603050405020304" pitchFamily="18" charset="0"/>
-                <a:cs typeface="Times New Roman" panose="02020603050405020304" pitchFamily="18" charset="0"/>
-              </a:rPr>
-              <a:t> </a:t>
-            </a:r>
-            <a:r>
-              <a:rPr lang="en-US" sz="3000" dirty="0" err="1">
-                <a:latin typeface="Times New Roman" panose="02020603050405020304" pitchFamily="18" charset="0"/>
-                <a:cs typeface="Times New Roman" panose="02020603050405020304" pitchFamily="18" charset="0"/>
-              </a:rPr>
-              <a:t>định</a:t>
-            </a:r>
-            <a:r>
-              <a:rPr lang="en-US" sz="3000" dirty="0">
-                <a:latin typeface="Times New Roman" panose="02020603050405020304" pitchFamily="18" charset="0"/>
-                <a:cs typeface="Times New Roman" panose="02020603050405020304" pitchFamily="18" charset="0"/>
-              </a:rPr>
-              <a:t>:</a:t>
+              <a:t>Decision tree:</a:t>
             </a:r>
           </a:p>
         </p:txBody>
@@ -3739,8 +3704,8 @@
         </p:nvSpPr>
         <p:spPr>
           <a:xfrm>
-            <a:off x="671647" y="4220346"/>
-            <a:ext cx="2981235" cy="553998"/>
+            <a:off x="852755" y="4156817"/>
+            <a:ext cx="3595553" cy="584775"/>
           </a:xfrm>
           <a:prstGeom prst="rect">
             <a:avLst/>
@@ -3755,32 +3720,11 @@
           <a:p>
             <a:pPr algn="ctr"/>
             <a:r>
-              <a:rPr lang="en-US" sz="3000" dirty="0" err="1">
+              <a:rPr lang="en-US" sz="3200" dirty="0">
                 <a:latin typeface="Times New Roman" panose="02020603050405020304" pitchFamily="18" charset="0"/>
                 <a:cs typeface="Times New Roman" panose="02020603050405020304" pitchFamily="18" charset="0"/>
               </a:rPr>
-              <a:t>Hồi</a:t>
-            </a:r>
-            <a:r>
-              <a:rPr lang="en-US" sz="3000" dirty="0">
-                <a:latin typeface="Times New Roman" panose="02020603050405020304" pitchFamily="18" charset="0"/>
-                <a:cs typeface="Times New Roman" panose="02020603050405020304" pitchFamily="18" charset="0"/>
-              </a:rPr>
-              <a:t> </a:t>
-            </a:r>
-            <a:r>
-              <a:rPr lang="en-US" sz="3000" dirty="0" err="1">
-                <a:latin typeface="Times New Roman" panose="02020603050405020304" pitchFamily="18" charset="0"/>
-                <a:cs typeface="Times New Roman" panose="02020603050405020304" pitchFamily="18" charset="0"/>
-              </a:rPr>
-              <a:t>quy</a:t>
-            </a:r>
-            <a:r>
-              <a:rPr lang="en-US" sz="3000" dirty="0">
-                <a:latin typeface="Times New Roman" panose="02020603050405020304" pitchFamily="18" charset="0"/>
-                <a:cs typeface="Times New Roman" panose="02020603050405020304" pitchFamily="18" charset="0"/>
-              </a:rPr>
-              <a:t> Logistic:</a:t>
+              <a:t>Logistic Regression:</a:t>
             </a:r>
           </a:p>
         </p:txBody>
@@ -3799,8 +3743,8 @@
         </p:nvSpPr>
         <p:spPr>
           <a:xfrm>
-            <a:off x="533582" y="5286768"/>
-            <a:ext cx="2981235" cy="553998"/>
+            <a:off x="752565" y="5262330"/>
+            <a:ext cx="2981235" cy="584775"/>
           </a:xfrm>
           <a:prstGeom prst="rect">
             <a:avLst/>
@@ -3815,46 +3759,11 @@
           <a:p>
             <a:pPr algn="ctr"/>
             <a:r>
-              <a:rPr lang="en-US" sz="3000" dirty="0" err="1">
+              <a:rPr lang="en-US" sz="3200" dirty="0">
                 <a:latin typeface="Times New Roman" panose="02020603050405020304" pitchFamily="18" charset="0"/>
                 <a:cs typeface="Times New Roman" panose="02020603050405020304" pitchFamily="18" charset="0"/>
               </a:rPr>
-              <a:t>Rừng</a:t>
-            </a:r>
-            <a:r>
-              <a:rPr lang="en-US" sz="3000" dirty="0">
-                <a:latin typeface="Times New Roman" panose="02020603050405020304" pitchFamily="18" charset="0"/>
-                <a:cs typeface="Times New Roman" panose="02020603050405020304" pitchFamily="18" charset="0"/>
-              </a:rPr>
-              <a:t> </a:t>
-            </a:r>
-            <a:r>
-              <a:rPr lang="en-US" sz="3000" dirty="0" err="1">
-                <a:latin typeface="Times New Roman" panose="02020603050405020304" pitchFamily="18" charset="0"/>
-                <a:cs typeface="Times New Roman" panose="02020603050405020304" pitchFamily="18" charset="0"/>
-              </a:rPr>
-              <a:t>ngẫu</a:t>
-            </a:r>
-            <a:r>
-              <a:rPr lang="en-US" sz="3000" dirty="0">
-                <a:latin typeface="Times New Roman" panose="02020603050405020304" pitchFamily="18" charset="0"/>
-                <a:cs typeface="Times New Roman" panose="02020603050405020304" pitchFamily="18" charset="0"/>
-              </a:rPr>
-              <a:t> </a:t>
-            </a:r>
-            <a:r>
-              <a:rPr lang="en-US" sz="3000" dirty="0" err="1">
-                <a:latin typeface="Times New Roman" panose="02020603050405020304" pitchFamily="18" charset="0"/>
-                <a:cs typeface="Times New Roman" panose="02020603050405020304" pitchFamily="18" charset="0"/>
-              </a:rPr>
-              <a:t>nhiên</a:t>
-            </a:r>
-            <a:r>
-              <a:rPr lang="en-US" sz="3000" dirty="0">
-                <a:latin typeface="Times New Roman" panose="02020603050405020304" pitchFamily="18" charset="0"/>
-                <a:cs typeface="Times New Roman" panose="02020603050405020304" pitchFamily="18" charset="0"/>
-              </a:rPr>
-              <a:t>:</a:t>
+              <a:t>Random forest:</a:t>
             </a:r>
           </a:p>
         </p:txBody>
@@ -3927,100 +3836,12 @@
           <a:lstStyle/>
           <a:p>
             <a:r>
-              <a:rPr lang="en-US" sz="3400" dirty="0" err="1">
-                <a:latin typeface="Times New Roman" panose="02020603050405020304" pitchFamily="18" charset="0"/>
-                <a:cs typeface="Times New Roman" panose="02020603050405020304" pitchFamily="18" charset="0"/>
-              </a:rPr>
-              <a:t>Thực</a:t>
-            </a:r>
-            <a:r>
               <a:rPr lang="en-US" sz="3400" dirty="0">
                 <a:latin typeface="Times New Roman" panose="02020603050405020304" pitchFamily="18" charset="0"/>
                 <a:cs typeface="Times New Roman" panose="02020603050405020304" pitchFamily="18" charset="0"/>
               </a:rPr>
-              <a:t> </a:t>
-            </a:r>
-            <a:r>
-              <a:rPr lang="en-US" sz="3400" dirty="0" err="1">
-                <a:latin typeface="Times New Roman" panose="02020603050405020304" pitchFamily="18" charset="0"/>
-                <a:cs typeface="Times New Roman" panose="02020603050405020304" pitchFamily="18" charset="0"/>
-              </a:rPr>
-              <a:t>nghiệm</a:t>
-            </a:r>
-            <a:r>
-              <a:rPr lang="en-US" sz="3400" dirty="0">
-                <a:latin typeface="Times New Roman" panose="02020603050405020304" pitchFamily="18" charset="0"/>
-                <a:cs typeface="Times New Roman" panose="02020603050405020304" pitchFamily="18" charset="0"/>
-              </a:rPr>
-              <a:t>: </a:t>
-            </a:r>
-            <a:r>
-              <a:rPr lang="en-US" sz="3400" dirty="0" err="1">
-                <a:latin typeface="Times New Roman" panose="02020603050405020304" pitchFamily="18" charset="0"/>
-                <a:cs typeface="Times New Roman" panose="02020603050405020304" pitchFamily="18" charset="0"/>
-              </a:rPr>
-              <a:t>Sử</a:t>
-            </a:r>
-            <a:r>
-              <a:rPr lang="en-US" sz="3400" dirty="0">
-                <a:latin typeface="Times New Roman" panose="02020603050405020304" pitchFamily="18" charset="0"/>
-                <a:cs typeface="Times New Roman" panose="02020603050405020304" pitchFamily="18" charset="0"/>
-              </a:rPr>
-              <a:t> </a:t>
-            </a:r>
-            <a:r>
-              <a:rPr lang="en-US" sz="3400" dirty="0" err="1">
-                <a:latin typeface="Times New Roman" panose="02020603050405020304" pitchFamily="18" charset="0"/>
-                <a:cs typeface="Times New Roman" panose="02020603050405020304" pitchFamily="18" charset="0"/>
-              </a:rPr>
-              <a:t>dụng</a:t>
-            </a:r>
-            <a:r>
-              <a:rPr lang="en-US" sz="3400" dirty="0">
-                <a:latin typeface="Times New Roman" panose="02020603050405020304" pitchFamily="18" charset="0"/>
-                <a:cs typeface="Times New Roman" panose="02020603050405020304" pitchFamily="18" charset="0"/>
-              </a:rPr>
-              <a:t> </a:t>
-            </a:r>
-            <a:r>
-              <a:rPr lang="en-US" sz="3400" dirty="0" err="1">
-                <a:latin typeface="Times New Roman" panose="02020603050405020304" pitchFamily="18" charset="0"/>
-                <a:cs typeface="Times New Roman" panose="02020603050405020304" pitchFamily="18" charset="0"/>
-              </a:rPr>
-              <a:t>kiểm</a:t>
-            </a:r>
-            <a:r>
-              <a:rPr lang="en-US" sz="3400" dirty="0">
-                <a:latin typeface="Times New Roman" panose="02020603050405020304" pitchFamily="18" charset="0"/>
-                <a:cs typeface="Times New Roman" panose="02020603050405020304" pitchFamily="18" charset="0"/>
-              </a:rPr>
-              <a:t> </a:t>
-            </a:r>
-            <a:r>
-              <a:rPr lang="en-US" sz="3400" dirty="0" err="1">
-                <a:latin typeface="Times New Roman" panose="02020603050405020304" pitchFamily="18" charset="0"/>
-                <a:cs typeface="Times New Roman" panose="02020603050405020304" pitchFamily="18" charset="0"/>
-              </a:rPr>
-              <a:t>chứng</a:t>
-            </a:r>
-            <a:r>
-              <a:rPr lang="en-US" sz="3400" dirty="0">
-                <a:latin typeface="Times New Roman" panose="02020603050405020304" pitchFamily="18" charset="0"/>
-                <a:cs typeface="Times New Roman" panose="02020603050405020304" pitchFamily="18" charset="0"/>
-              </a:rPr>
-              <a:t> </a:t>
-            </a:r>
-            <a:r>
-              <a:rPr lang="en-US" sz="3400" dirty="0" err="1">
-                <a:latin typeface="Times New Roman" panose="02020603050405020304" pitchFamily="18" charset="0"/>
-                <a:cs typeface="Times New Roman" panose="02020603050405020304" pitchFamily="18" charset="0"/>
-              </a:rPr>
-              <a:t>chéo</a:t>
-            </a:r>
-            <a:endParaRPr lang="en-US" sz="3400" dirty="0">
-              <a:latin typeface="Times New Roman" panose="02020603050405020304" pitchFamily="18" charset="0"/>
-              <a:cs typeface="Times New Roman" panose="02020603050405020304" pitchFamily="18" charset="0"/>
-            </a:endParaRPr>
+              <a:t>Experiment: Using cross-validation</a:t>
+            </a:r>
           </a:p>
         </p:txBody>
       </p:sp>
@@ -4113,7 +3934,7 @@
                 </a:solidFill>
                 <a:latin typeface="Noto Serif Bold"/>
               </a:rPr>
-              <a:t>V. THỰC NGHIỆM VÀ ĐÁNH GIÁ</a:t>
+              <a:t>V. EXPERIMENT AND EVALUATION</a:t>
             </a:r>
           </a:p>
         </p:txBody>
@@ -4244,7 +4065,7 @@
         <p:spPr>
           <a:xfrm>
             <a:off x="1028700" y="2863807"/>
-            <a:ext cx="12496800" cy="4708981"/>
+            <a:ext cx="12496800" cy="5170646"/>
           </a:xfrm>
           <a:prstGeom prst="rect">
             <a:avLst/>
@@ -4261,72 +4082,63 @@
               <a:rPr lang="vi-VN" sz="3000" dirty="0">
                 <a:latin typeface="+mj-lt"/>
               </a:rPr>
-              <a:t>- Về phần tối ưu:</a:t>
-            </a:r>
-          </a:p>
-          <a:p>
-            <a:pPr marL="342900" indent="-342900">
+              <a:t>- Regarding optimization:</a:t>
+            </a:r>
+            <a:endParaRPr lang="en-US" sz="3000" dirty="0">
+              <a:latin typeface="+mj-lt"/>
+            </a:endParaRPr>
+          </a:p>
+          <a:p>
+            <a:pPr marL="457200" indent="-457200" algn="just">
               <a:buFont typeface="Arial" panose="020B0604020202020204" pitchFamily="34" charset="0"/>
               <a:buChar char="•"/>
             </a:pPr>
-            <a:r>
-              <a:rPr lang="vi-VN" sz="3000" dirty="0">
-                <a:latin typeface="+mj-lt"/>
-              </a:rPr>
-              <a:t>Theo nhóm nhận định rằng, thuật toán Cây quyết định chưa thực sự được tối ưu, vì sau khi truyền siêu tham số, các độ đo của Cây quyết định lại giảm thay vì cải thiện.</a:t>
-            </a:r>
-          </a:p>
-          <a:p>
-            <a:pPr marL="342900" indent="-342900">
-              <a:buFont typeface="Arial" panose="020B0604020202020204" pitchFamily="34" charset="0"/>
-              <a:buChar char="•"/>
-            </a:pPr>
-            <a:r>
-              <a:rPr lang="vi-VN" sz="3000" dirty="0">
-                <a:latin typeface="+mj-lt"/>
-              </a:rPr>
-              <a:t> Hồi quy Logistic có độ đo giữ nguyên sau khi truyền siêu tham số, do siêu tham số ban đầu là tối ưu nhất so với các tham số truyền vào sau.</a:t>
-            </a:r>
-          </a:p>
-          <a:p>
-            <a:pPr marL="342900" indent="-342900">
-              <a:buFont typeface="Arial" panose="020B0604020202020204" pitchFamily="34" charset="0"/>
-              <a:buChar char="•"/>
-            </a:pPr>
-            <a:r>
-              <a:rPr lang="vi-VN" sz="3000" dirty="0">
-                <a:latin typeface="+mj-lt"/>
-              </a:rPr>
-              <a:t>Rừng ngẫu nhiên có tăng nhẹ ở độ đo F1, precision tăng mạnh. Việc tối ưu mô hình được xem là thành công.</a:t>
-            </a:r>
-          </a:p>
-          <a:p>
-            <a:pPr marL="342900" indent="-342900">
-              <a:buFont typeface="Arial" panose="020B0604020202020204" pitchFamily="34" charset="0"/>
-              <a:buChar char="•"/>
-            </a:pPr>
-            <a:r>
-              <a:rPr lang="vi-VN" sz="3000" dirty="0">
-                <a:latin typeface="+mj-lt"/>
-              </a:rPr>
-              <a:t>Naive Bayes tăng nhẹ ở tất cả các chỉ số. Do đó, </a:t>
-            </a:r>
             <a:r>
               <a:rPr lang="en-US" sz="3000" dirty="0">
                 <a:latin typeface="Times New Roman" panose="02020603050405020304" pitchFamily="18" charset="0"/>
                 <a:cs typeface="Times New Roman" panose="02020603050405020304" pitchFamily="18" charset="0"/>
               </a:rPr>
-              <a:t>v</a:t>
-            </a:r>
-            <a:r>
-              <a:rPr lang="vi-VN" sz="3000" dirty="0">
-                <a:latin typeface="+mj-lt"/>
+              <a:t>According to the team, the Decision Tree algorithm is not really optimized, because after passing hyperparameters, the Decision Tree measures decrease instead of improving.</a:t>
+            </a:r>
+          </a:p>
+          <a:p>
+            <a:pPr marL="457200" indent="-457200" algn="just">
+              <a:buFont typeface="Arial" panose="020B0604020202020204" pitchFamily="34" charset="0"/>
+              <a:buChar char="•"/>
+            </a:pPr>
+            <a:r>
+              <a:rPr lang="en-US" sz="3000" dirty="0">
+                <a:latin typeface="Times New Roman" panose="02020603050405020304" pitchFamily="18" charset="0"/>
+                <a:cs typeface="Times New Roman" panose="02020603050405020304" pitchFamily="18" charset="0"/>
               </a:rPr>
-              <a:t>iệc tối ưu mô hình được xem là thành công.</a:t>
-            </a:r>
-            <a:endParaRPr lang="en-US" sz="3000" dirty="0">
-              <a:latin typeface="+mj-lt"/>
-            </a:endParaRPr>
+              <a:t> Logistic regression has measures that remain the same after passing the hyperparameters, because the initial hyperparameters are the most optimal compared to the parameters passed later.</a:t>
+            </a:r>
+          </a:p>
+          <a:p>
+            <a:pPr marL="457200" indent="-457200" algn="just">
+              <a:buFont typeface="Arial" panose="020B0604020202020204" pitchFamily="34" charset="0"/>
+              <a:buChar char="•"/>
+            </a:pPr>
+            <a:r>
+              <a:rPr lang="en-US" sz="3000" dirty="0">
+                <a:latin typeface="Times New Roman" panose="02020603050405020304" pitchFamily="18" charset="0"/>
+                <a:cs typeface="Times New Roman" panose="02020603050405020304" pitchFamily="18" charset="0"/>
+              </a:rPr>
+              <a:t>Random forest has a slight increase in F1 measure, precision increases sharply. Model optimization is considered successful.</a:t>
+            </a:r>
+          </a:p>
+          <a:p>
+            <a:pPr marL="457200" indent="-457200" algn="just">
+              <a:buFont typeface="Arial" panose="020B0604020202020204" pitchFamily="34" charset="0"/>
+              <a:buChar char="•"/>
+            </a:pPr>
+            <a:r>
+              <a:rPr lang="en-US" sz="3000" dirty="0">
+                <a:latin typeface="Times New Roman" panose="02020603050405020304" pitchFamily="18" charset="0"/>
+                <a:cs typeface="Times New Roman" panose="02020603050405020304" pitchFamily="18" charset="0"/>
+              </a:rPr>
+              <a:t>Naive Bayes increased slightly in all indicators. Therefore, the model optimization is considered successful.</a:t>
+            </a:r>
           </a:p>
         </p:txBody>
       </p:sp>
@@ -4359,32 +4171,11 @@
           <a:lstStyle/>
           <a:p>
             <a:r>
-              <a:rPr lang="en-US" sz="3400" dirty="0" err="1">
-                <a:latin typeface="Times New Roman" panose="02020603050405020304" pitchFamily="18" charset="0"/>
-                <a:cs typeface="Times New Roman" panose="02020603050405020304" pitchFamily="18" charset="0"/>
-              </a:rPr>
-              <a:t>Đánh</a:t>
-            </a:r>
-            <a:r>
               <a:rPr lang="en-US" sz="3400" dirty="0">
                 <a:latin typeface="Times New Roman" panose="02020603050405020304" pitchFamily="18" charset="0"/>
                 <a:cs typeface="Times New Roman" panose="02020603050405020304" pitchFamily="18" charset="0"/>
               </a:rPr>
-              <a:t> </a:t>
-            </a:r>
-            <a:r>
-              <a:rPr lang="en-US" sz="3400" dirty="0" err="1">
-                <a:latin typeface="Times New Roman" panose="02020603050405020304" pitchFamily="18" charset="0"/>
-                <a:cs typeface="Times New Roman" panose="02020603050405020304" pitchFamily="18" charset="0"/>
-              </a:rPr>
-              <a:t>giá</a:t>
-            </a:r>
-            <a:r>
-              <a:rPr lang="en-US" sz="3400" dirty="0">
-                <a:latin typeface="Times New Roman" panose="02020603050405020304" pitchFamily="18" charset="0"/>
-                <a:cs typeface="Times New Roman" panose="02020603050405020304" pitchFamily="18" charset="0"/>
-              </a:rPr>
-              <a:t>:</a:t>
+              <a:t>Evaluate:</a:t>
             </a:r>
           </a:p>
         </p:txBody>
@@ -4454,7 +4245,7 @@
         <p:spPr>
           <a:xfrm>
             <a:off x="1028700" y="634365"/>
-            <a:ext cx="12382500" cy="706540"/>
+            <a:ext cx="13906500" cy="706540"/>
           </a:xfrm>
           <a:prstGeom prst="rect">
             <a:avLst/>
@@ -4472,22 +4263,13 @@
               </a:lnSpc>
             </a:pPr>
             <a:r>
-              <a:rPr lang="en-US" sz="4200">
-                <a:solidFill>
-                  <a:srgbClr val="273755"/>
-                </a:solidFill>
-                <a:latin typeface="Noto Serif Bold"/>
-              </a:rPr>
-              <a:t>VI. </a:t>
-            </a:r>
-            <a:r>
               <a:rPr lang="en-US" sz="4200" dirty="0">
                 <a:solidFill>
                   <a:srgbClr val="273755"/>
                 </a:solidFill>
                 <a:latin typeface="Noto Serif Bold"/>
               </a:rPr>
-              <a:t>KẾT LUẬN VÀ HƯỚNG PHÁT TRIỂN</a:t>
+              <a:t>VI. CONCLUSION AND DEVELOPMENT DIRECTION</a:t>
             </a:r>
           </a:p>
         </p:txBody>
@@ -4633,16 +4415,12 @@
           <a:p>
             <a:pPr algn="just"/>
             <a:r>
-              <a:rPr lang="vi-VN" sz="3000" dirty="0">
+              <a:rPr lang="en-US" sz="3000" dirty="0">
                 <a:latin typeface="Times New Roman" panose="02020603050405020304" pitchFamily="18" charset="0"/>
                 <a:cs typeface="Times New Roman" panose="02020603050405020304" pitchFamily="18" charset="0"/>
               </a:rPr>
-              <a:t>Nhóm quyết định chọn mô hình Rừng ngẫu nhiên sau khi tối ưu là mô hình tốt nhất do Accuracy, Precision, Recall cao hơn đa phần so với các mô hình còn lại. </a:t>
-            </a:r>
-            <a:endParaRPr lang="en-US" sz="3000" dirty="0">
-              <a:latin typeface="Times New Roman" panose="02020603050405020304" pitchFamily="18" charset="0"/>
-              <a:cs typeface="Times New Roman" panose="02020603050405020304" pitchFamily="18" charset="0"/>
-            </a:endParaRPr>
+              <a:t>The team decided to choose the Random Forest model after optimization as the best model because Accuracy, Precision, and Recall are mostly higher than the remaining models.</a:t>
+            </a:r>
           </a:p>
         </p:txBody>
       </p:sp>
@@ -4680,21 +4458,17 @@
                 <a:latin typeface="Times New Roman" panose="02020603050405020304" pitchFamily="18" charset="0"/>
                 <a:cs typeface="Times New Roman" panose="02020603050405020304" pitchFamily="18" charset="0"/>
               </a:rPr>
-              <a:t>- T</a:t>
-            </a:r>
-            <a:r>
-              <a:rPr lang="vi-VN" sz="3000" dirty="0">
-                <a:latin typeface="Times New Roman" panose="02020603050405020304" pitchFamily="18" charset="0"/>
-                <a:cs typeface="Times New Roman" panose="02020603050405020304" pitchFamily="18" charset="0"/>
-              </a:rPr>
-              <a:t>ối ưu mô hình bằng cách truyền thêm nhiều siêu tham số hơn</a:t>
-            </a:r>
+              <a:t>- Optimize the model by passing more hyperparameters.</a:t>
+            </a:r>
+          </a:p>
+          <a:p>
+            <a:pPr algn="just"/>
             <a:r>
               <a:rPr lang="en-US" sz="3000" dirty="0">
                 <a:latin typeface="Times New Roman" panose="02020603050405020304" pitchFamily="18" charset="0"/>
                 <a:cs typeface="Times New Roman" panose="02020603050405020304" pitchFamily="18" charset="0"/>
               </a:rPr>
-              <a:t>.</a:t>
+              <a:t>- Test more other algorithms.</a:t>
             </a:r>
           </a:p>
           <a:p>
@@ -4704,54 +4478,8 @@
                 <a:latin typeface="Times New Roman" panose="02020603050405020304" pitchFamily="18" charset="0"/>
                 <a:cs typeface="Times New Roman" panose="02020603050405020304" pitchFamily="18" charset="0"/>
               </a:rPr>
-              <a:t>- T</a:t>
-            </a:r>
-            <a:r>
-              <a:rPr lang="vi-VN" sz="3000" dirty="0">
-                <a:latin typeface="Times New Roman" panose="02020603050405020304" pitchFamily="18" charset="0"/>
-                <a:cs typeface="Times New Roman" panose="02020603050405020304" pitchFamily="18" charset="0"/>
-              </a:rPr>
-              <a:t>hử nghiệm thêm nhiều thuật toán khác.</a:t>
-            </a:r>
-            <a:endParaRPr lang="en-US" sz="3000" dirty="0">
-              <a:latin typeface="Times New Roman" panose="02020603050405020304" pitchFamily="18" charset="0"/>
-              <a:cs typeface="Times New Roman" panose="02020603050405020304" pitchFamily="18" charset="0"/>
-            </a:endParaRPr>
-          </a:p>
-          <a:p>
-            <a:pPr algn="just"/>
-            <a:r>
-              <a:rPr lang="en-US" sz="3000" dirty="0">
-                <a:latin typeface="Times New Roman" panose="02020603050405020304" pitchFamily="18" charset="0"/>
-                <a:cs typeface="Times New Roman" panose="02020603050405020304" pitchFamily="18" charset="0"/>
-              </a:rPr>
-              <a:t>-</a:t>
-            </a:r>
-            <a:r>
-              <a:rPr lang="vi-VN" sz="3000" dirty="0">
-                <a:latin typeface="Times New Roman" panose="02020603050405020304" pitchFamily="18" charset="0"/>
-                <a:cs typeface="Times New Roman" panose="02020603050405020304" pitchFamily="18" charset="0"/>
-              </a:rPr>
-              <a:t> </a:t>
-            </a:r>
-            <a:r>
-              <a:rPr lang="en-US" sz="3000" dirty="0">
-                <a:latin typeface="Times New Roman" panose="02020603050405020304" pitchFamily="18" charset="0"/>
-                <a:cs typeface="Times New Roman" panose="02020603050405020304" pitchFamily="18" charset="0"/>
-              </a:rPr>
-              <a:t>C</a:t>
-            </a:r>
-            <a:r>
-              <a:rPr lang="vi-VN" sz="3000" dirty="0">
-                <a:latin typeface="Times New Roman" panose="02020603050405020304" pitchFamily="18" charset="0"/>
-                <a:cs typeface="Times New Roman" panose="02020603050405020304" pitchFamily="18" charset="0"/>
-              </a:rPr>
-              <a:t>ải thiện thêm tập dữ liệu các năm tiếp theo như 2019, 2020, 2021, ...</a:t>
-            </a:r>
-            <a:endParaRPr lang="en-US" sz="3000" dirty="0">
-              <a:latin typeface="Times New Roman" panose="02020603050405020304" pitchFamily="18" charset="0"/>
-              <a:cs typeface="Times New Roman" panose="02020603050405020304" pitchFamily="18" charset="0"/>
-            </a:endParaRPr>
+              <a:t>- Improve the data set for the following years such as 2019, 2020, 2021, ...</a:t>
+            </a:r>
           </a:p>
         </p:txBody>
       </p:sp>
@@ -4784,32 +4512,11 @@
           <a:lstStyle/>
           <a:p>
             <a:r>
-              <a:rPr lang="en-US" sz="3400" dirty="0" err="1">
-                <a:latin typeface="Times New Roman" panose="02020603050405020304" pitchFamily="18" charset="0"/>
-                <a:cs typeface="Times New Roman" panose="02020603050405020304" pitchFamily="18" charset="0"/>
-              </a:rPr>
-              <a:t>Kết</a:t>
-            </a:r>
-            <a:r>
               <a:rPr lang="en-US" sz="3400" dirty="0">
                 <a:latin typeface="Times New Roman" panose="02020603050405020304" pitchFamily="18" charset="0"/>
                 <a:cs typeface="Times New Roman" panose="02020603050405020304" pitchFamily="18" charset="0"/>
               </a:rPr>
-              <a:t> </a:t>
-            </a:r>
-            <a:r>
-              <a:rPr lang="en-US" sz="3400" dirty="0" err="1">
-                <a:latin typeface="Times New Roman" panose="02020603050405020304" pitchFamily="18" charset="0"/>
-                <a:cs typeface="Times New Roman" panose="02020603050405020304" pitchFamily="18" charset="0"/>
-              </a:rPr>
-              <a:t>luận</a:t>
-            </a:r>
-            <a:r>
-              <a:rPr lang="en-US" sz="3400" dirty="0">
-                <a:latin typeface="Times New Roman" panose="02020603050405020304" pitchFamily="18" charset="0"/>
-                <a:cs typeface="Times New Roman" panose="02020603050405020304" pitchFamily="18" charset="0"/>
-              </a:rPr>
-              <a:t>:</a:t>
+              <a:t>Conclude:</a:t>
             </a:r>
           </a:p>
         </p:txBody>
@@ -4843,46 +4550,11 @@
           <a:lstStyle/>
           <a:p>
             <a:r>
-              <a:rPr lang="en-US" sz="3400" dirty="0" err="1">
-                <a:latin typeface="Times New Roman" panose="02020603050405020304" pitchFamily="18" charset="0"/>
-                <a:cs typeface="Times New Roman" panose="02020603050405020304" pitchFamily="18" charset="0"/>
-              </a:rPr>
-              <a:t>Hướng</a:t>
-            </a:r>
-            <a:r>
               <a:rPr lang="en-US" sz="3400" dirty="0">
                 <a:latin typeface="Times New Roman" panose="02020603050405020304" pitchFamily="18" charset="0"/>
                 <a:cs typeface="Times New Roman" panose="02020603050405020304" pitchFamily="18" charset="0"/>
               </a:rPr>
-              <a:t> </a:t>
-            </a:r>
-            <a:r>
-              <a:rPr lang="en-US" sz="3400" dirty="0" err="1">
-                <a:latin typeface="Times New Roman" panose="02020603050405020304" pitchFamily="18" charset="0"/>
-                <a:cs typeface="Times New Roman" panose="02020603050405020304" pitchFamily="18" charset="0"/>
-              </a:rPr>
-              <a:t>phát</a:t>
-            </a:r>
-            <a:r>
-              <a:rPr lang="en-US" sz="3400" dirty="0">
-                <a:latin typeface="Times New Roman" panose="02020603050405020304" pitchFamily="18" charset="0"/>
-                <a:cs typeface="Times New Roman" panose="02020603050405020304" pitchFamily="18" charset="0"/>
-              </a:rPr>
-              <a:t> </a:t>
-            </a:r>
-            <a:r>
-              <a:rPr lang="en-US" sz="3400" dirty="0" err="1">
-                <a:latin typeface="Times New Roman" panose="02020603050405020304" pitchFamily="18" charset="0"/>
-                <a:cs typeface="Times New Roman" panose="02020603050405020304" pitchFamily="18" charset="0"/>
-              </a:rPr>
-              <a:t>triển</a:t>
-            </a:r>
-            <a:r>
-              <a:rPr lang="en-US" sz="3400" dirty="0">
-                <a:latin typeface="Times New Roman" panose="02020603050405020304" pitchFamily="18" charset="0"/>
-                <a:cs typeface="Times New Roman" panose="02020603050405020304" pitchFamily="18" charset="0"/>
-              </a:rPr>
-              <a:t>:</a:t>
+              <a:t>Development:</a:t>
             </a:r>
           </a:p>
         </p:txBody>
@@ -4984,7 +4656,7 @@
                 </a:solidFill>
                 <a:latin typeface="Noto Serif Bold"/>
               </a:rPr>
-              <a:t>VII. ĐÓNG GÓP VÀ KẾ HOẠCH</a:t>
+              <a:t>VII. CONTRIBUTION AND PLANNING</a:t>
             </a:r>
           </a:p>
         </p:txBody>
@@ -8906,7 +8578,7 @@
                 </a:solidFill>
                 <a:latin typeface="Noto Serif Bold"/>
               </a:rPr>
-              <a:t>VIII. TÀI LIỆU THAM KHẢO</a:t>
+              <a:t>VIII. REFERENCES</a:t>
             </a:r>
           </a:p>
         </p:txBody>
@@ -9219,13 +8891,13 @@
               </a:lnSpc>
             </a:pPr>
             <a:r>
-              <a:rPr lang="en-US" sz="4099" b="1">
+              <a:rPr lang="en-US" sz="4099" b="1" dirty="0">
                 <a:solidFill>
                   <a:srgbClr val="273755"/>
                 </a:solidFill>
                 <a:latin typeface="Montserrat"/>
               </a:rPr>
-              <a:t>KẾT THÚC</a:t>
+              <a:t>THE END</a:t>
             </a:r>
           </a:p>
         </p:txBody>
@@ -9373,13 +9045,40 @@
               </a:lnSpc>
             </a:pPr>
             <a:r>
-              <a:rPr lang="en-US" sz="3799">
+              <a:rPr lang="en-US" sz="3799" dirty="0" err="1">
                 <a:solidFill>
                   <a:srgbClr val="273755"/>
                 </a:solidFill>
                 <a:latin typeface="Noto Serif"/>
               </a:rPr>
-              <a:t>Nguyễn Trí Dũng</a:t>
+              <a:t>Nguyễn</a:t>
+            </a:r>
+            <a:r>
+              <a:rPr lang="en-US" sz="3799" dirty="0">
+                <a:solidFill>
+                  <a:srgbClr val="273755"/>
+                </a:solidFill>
+                <a:latin typeface="Noto Serif"/>
+              </a:rPr>
+              <a:t> </a:t>
+            </a:r>
+            <a:r>
+              <a:rPr lang="en-US" sz="3799" dirty="0" err="1">
+                <a:solidFill>
+                  <a:srgbClr val="273755"/>
+                </a:solidFill>
+                <a:latin typeface="Noto Serif"/>
+              </a:rPr>
+              <a:t>Trí</a:t>
+            </a:r>
+            <a:r>
+              <a:rPr lang="en-US" sz="3799" dirty="0">
+                <a:solidFill>
+                  <a:srgbClr val="273755"/>
+                </a:solidFill>
+                <a:latin typeface="Noto Serif"/>
+              </a:rPr>
+              <a:t> Dũng</a:t>
             </a:r>
           </a:p>
         </p:txBody>
@@ -9411,13 +9110,13 @@
               </a:lnSpc>
             </a:pPr>
             <a:r>
-              <a:rPr lang="en-US" sz="4099">
+              <a:rPr lang="en-US" sz="4099" dirty="0">
                 <a:solidFill>
                   <a:srgbClr val="273755"/>
                 </a:solidFill>
                 <a:latin typeface="Montserrat"/>
               </a:rPr>
-              <a:t>THÀNH VIÊN</a:t>
+              <a:t>MEMBER</a:t>
             </a:r>
           </a:p>
         </p:txBody>
@@ -9525,14 +9224,38 @@
               </a:lnSpc>
             </a:pPr>
             <a:r>
-              <a:rPr lang="en-US" sz="3799">
+              <a:rPr lang="en-US" sz="3799" dirty="0" err="1">
                 <a:solidFill>
                   <a:srgbClr val="273755"/>
                 </a:solidFill>
                 <a:latin typeface="Noto Serif"/>
               </a:rPr>
-              <a:t>Nguyễn Khoa Quang Thắng</a:t>
-            </a:r>
+              <a:t>Nguyễn</a:t>
+            </a:r>
+            <a:r>
+              <a:rPr lang="en-US" sz="3799" dirty="0">
+                <a:solidFill>
+                  <a:srgbClr val="273755"/>
+                </a:solidFill>
+                <a:latin typeface="Noto Serif"/>
+              </a:rPr>
+              <a:t> Khoa Quang </a:t>
+            </a:r>
+            <a:r>
+              <a:rPr lang="en-US" sz="3799" dirty="0" err="1">
+                <a:solidFill>
+                  <a:srgbClr val="273755"/>
+                </a:solidFill>
+                <a:latin typeface="Noto Serif"/>
+              </a:rPr>
+              <a:t>Thắng</a:t>
+            </a:r>
+            <a:endParaRPr lang="en-US" sz="3799" dirty="0">
+              <a:solidFill>
+                <a:srgbClr val="273755"/>
+              </a:solidFill>
+              <a:latin typeface="Noto Serif"/>
+            </a:endParaRPr>
           </a:p>
         </p:txBody>
       </p:sp>
@@ -9601,14 +9324,38 @@
               </a:lnSpc>
             </a:pPr>
             <a:r>
-              <a:rPr lang="en-US" sz="3799">
+              <a:rPr lang="en-US" sz="3799" dirty="0" err="1">
                 <a:solidFill>
                   <a:srgbClr val="273755"/>
                 </a:solidFill>
                 <a:latin typeface="Noto Serif"/>
               </a:rPr>
-              <a:t>Trương Gia Vỷ</a:t>
-            </a:r>
+              <a:t>Trương</a:t>
+            </a:r>
+            <a:r>
+              <a:rPr lang="en-US" sz="3799" dirty="0">
+                <a:solidFill>
+                  <a:srgbClr val="273755"/>
+                </a:solidFill>
+                <a:latin typeface="Noto Serif"/>
+              </a:rPr>
+              <a:t> Gia </a:t>
+            </a:r>
+            <a:r>
+              <a:rPr lang="en-US" sz="3799" dirty="0" err="1">
+                <a:solidFill>
+                  <a:srgbClr val="273755"/>
+                </a:solidFill>
+                <a:latin typeface="Noto Serif"/>
+              </a:rPr>
+              <a:t>Vỷ</a:t>
+            </a:r>
+            <a:endParaRPr lang="en-US" sz="3799" dirty="0">
+              <a:solidFill>
+                <a:srgbClr val="273755"/>
+              </a:solidFill>
+              <a:latin typeface="Noto Serif"/>
+            </a:endParaRPr>
           </a:p>
         </p:txBody>
       </p:sp>
@@ -9746,7 +9493,7 @@
               </a:lnSpc>
             </a:pPr>
             <a:r>
-              <a:rPr lang="en-US" sz="3799">
+              <a:rPr lang="en-US" sz="3799" dirty="0">
                 <a:solidFill>
                   <a:srgbClr val="273755"/>
                 </a:solidFill>
@@ -9887,1175 +9634,17 @@
               <a:buChar char="•"/>
             </a:pPr>
             <a:r>
-              <a:rPr lang="en-US" sz="2849" dirty="0" err="1">
-                <a:solidFill>
-                  <a:srgbClr val="273755"/>
-                </a:solidFill>
-                <a:latin typeface="Noto Serif"/>
-              </a:rPr>
-              <a:t>Chủ</a:t>
-            </a:r>
-            <a:r>
               <a:rPr lang="en-US" sz="2849" dirty="0">
                 <a:solidFill>
                   <a:srgbClr val="273755"/>
                 </a:solidFill>
                 <a:latin typeface="Noto Serif"/>
               </a:rPr>
-              <a:t> </a:t>
-            </a:r>
-            <a:r>
-              <a:rPr lang="en-US" sz="2849" dirty="0" err="1">
-                <a:solidFill>
-                  <a:srgbClr val="273755"/>
-                </a:solidFill>
-                <a:latin typeface="Noto Serif"/>
-              </a:rPr>
-              <a:t>đề</a:t>
-            </a:r>
-            <a:r>
-              <a:rPr lang="en-US" sz="2849" dirty="0">
-                <a:solidFill>
-                  <a:srgbClr val="273755"/>
-                </a:solidFill>
-                <a:latin typeface="Noto Serif"/>
-              </a:rPr>
-              <a:t> "</a:t>
-            </a:r>
-            <a:r>
-              <a:rPr lang="en-US" sz="2849" dirty="0" err="1">
-                <a:solidFill>
-                  <a:srgbClr val="273755"/>
-                </a:solidFill>
-                <a:latin typeface="Noto Serif"/>
-              </a:rPr>
-              <a:t>Phân</a:t>
-            </a:r>
-            <a:r>
-              <a:rPr lang="en-US" sz="2849" dirty="0">
-                <a:solidFill>
-                  <a:srgbClr val="273755"/>
-                </a:solidFill>
-                <a:latin typeface="Noto Serif"/>
-              </a:rPr>
-              <a:t> </a:t>
-            </a:r>
-            <a:r>
-              <a:rPr lang="en-US" sz="2849" dirty="0" err="1">
-                <a:solidFill>
-                  <a:srgbClr val="273755"/>
-                </a:solidFill>
-                <a:latin typeface="Noto Serif"/>
-              </a:rPr>
-              <a:t>tích</a:t>
-            </a:r>
-            <a:r>
-              <a:rPr lang="en-US" sz="2849" dirty="0">
-                <a:solidFill>
-                  <a:srgbClr val="273755"/>
-                </a:solidFill>
-                <a:latin typeface="Noto Serif"/>
-              </a:rPr>
-              <a:t> </a:t>
-            </a:r>
-            <a:r>
-              <a:rPr lang="en-US" sz="2849" dirty="0" err="1">
-                <a:solidFill>
-                  <a:srgbClr val="273755"/>
-                </a:solidFill>
-                <a:latin typeface="Noto Serif"/>
-              </a:rPr>
-              <a:t>dữ</a:t>
-            </a:r>
-            <a:r>
-              <a:rPr lang="en-US" sz="2849" dirty="0">
-                <a:solidFill>
-                  <a:srgbClr val="273755"/>
-                </a:solidFill>
-                <a:latin typeface="Noto Serif"/>
-              </a:rPr>
-              <a:t> </a:t>
-            </a:r>
-            <a:r>
-              <a:rPr lang="en-US" sz="2849" dirty="0" err="1">
-                <a:solidFill>
-                  <a:srgbClr val="273755"/>
-                </a:solidFill>
-                <a:latin typeface="Noto Serif"/>
-              </a:rPr>
-              <a:t>liệu</a:t>
-            </a:r>
-            <a:r>
-              <a:rPr lang="en-US" sz="2849" dirty="0">
-                <a:solidFill>
-                  <a:srgbClr val="273755"/>
-                </a:solidFill>
-                <a:latin typeface="Noto Serif"/>
-              </a:rPr>
-              <a:t> </a:t>
-            </a:r>
-            <a:r>
-              <a:rPr lang="en-US" sz="2849" dirty="0" err="1">
-                <a:solidFill>
-                  <a:srgbClr val="273755"/>
-                </a:solidFill>
-                <a:latin typeface="Noto Serif"/>
-              </a:rPr>
-              <a:t>lịch</a:t>
-            </a:r>
-            <a:r>
-              <a:rPr lang="en-US" sz="2849" dirty="0">
-                <a:solidFill>
-                  <a:srgbClr val="273755"/>
-                </a:solidFill>
-                <a:latin typeface="Noto Serif"/>
-              </a:rPr>
-              <a:t> </a:t>
-            </a:r>
-            <a:r>
-              <a:rPr lang="en-US" sz="2849" dirty="0" err="1">
-                <a:solidFill>
-                  <a:srgbClr val="273755"/>
-                </a:solidFill>
-                <a:latin typeface="Noto Serif"/>
-              </a:rPr>
-              <a:t>sử</a:t>
-            </a:r>
-            <a:r>
-              <a:rPr lang="en-US" sz="2849" dirty="0">
-                <a:solidFill>
-                  <a:srgbClr val="273755"/>
-                </a:solidFill>
-                <a:latin typeface="Noto Serif"/>
-              </a:rPr>
-              <a:t> </a:t>
-            </a:r>
-            <a:r>
-              <a:rPr lang="en-US" sz="2849" dirty="0" err="1">
-                <a:solidFill>
-                  <a:srgbClr val="273755"/>
-                </a:solidFill>
-                <a:latin typeface="Noto Serif"/>
-              </a:rPr>
-              <a:t>các</a:t>
-            </a:r>
-            <a:r>
-              <a:rPr lang="en-US" sz="2849" dirty="0">
-                <a:solidFill>
-                  <a:srgbClr val="273755"/>
-                </a:solidFill>
-                <a:latin typeface="Noto Serif"/>
-              </a:rPr>
-              <a:t> </a:t>
-            </a:r>
-            <a:r>
-              <a:rPr lang="en-US" sz="2849" dirty="0" err="1">
-                <a:solidFill>
-                  <a:srgbClr val="273755"/>
-                </a:solidFill>
-                <a:latin typeface="Noto Serif"/>
-              </a:rPr>
-              <a:t>chuyến</a:t>
-            </a:r>
-            <a:r>
-              <a:rPr lang="en-US" sz="2849" dirty="0">
-                <a:solidFill>
-                  <a:srgbClr val="273755"/>
-                </a:solidFill>
-                <a:latin typeface="Noto Serif"/>
-              </a:rPr>
-              <a:t> bay </a:t>
-            </a:r>
-            <a:r>
-              <a:rPr lang="en-US" sz="2849" dirty="0" err="1">
-                <a:solidFill>
-                  <a:srgbClr val="273755"/>
-                </a:solidFill>
-                <a:latin typeface="Noto Serif"/>
-              </a:rPr>
-              <a:t>để</a:t>
-            </a:r>
-            <a:r>
-              <a:rPr lang="en-US" sz="2849" dirty="0">
-                <a:solidFill>
-                  <a:srgbClr val="273755"/>
-                </a:solidFill>
-                <a:latin typeface="Noto Serif"/>
-              </a:rPr>
-              <a:t> </a:t>
-            </a:r>
-            <a:r>
-              <a:rPr lang="en-US" sz="2849" dirty="0" err="1">
-                <a:solidFill>
-                  <a:srgbClr val="273755"/>
-                </a:solidFill>
-                <a:latin typeface="Noto Serif"/>
-              </a:rPr>
-              <a:t>xây</a:t>
-            </a:r>
-            <a:r>
-              <a:rPr lang="en-US" sz="2849" dirty="0">
-                <a:solidFill>
-                  <a:srgbClr val="273755"/>
-                </a:solidFill>
-                <a:latin typeface="Noto Serif"/>
-              </a:rPr>
-              <a:t> </a:t>
-            </a:r>
-            <a:r>
-              <a:rPr lang="en-US" sz="2849" dirty="0" err="1">
-                <a:solidFill>
-                  <a:srgbClr val="273755"/>
-                </a:solidFill>
-                <a:latin typeface="Noto Serif"/>
-              </a:rPr>
-              <a:t>dựng</a:t>
-            </a:r>
-            <a:r>
-              <a:rPr lang="en-US" sz="2849" dirty="0">
-                <a:solidFill>
-                  <a:srgbClr val="273755"/>
-                </a:solidFill>
-                <a:latin typeface="Noto Serif"/>
-              </a:rPr>
-              <a:t> </a:t>
-            </a:r>
-            <a:r>
-              <a:rPr lang="en-US" sz="2849" dirty="0" err="1">
-                <a:solidFill>
-                  <a:srgbClr val="273755"/>
-                </a:solidFill>
-                <a:latin typeface="Noto Serif"/>
-              </a:rPr>
-              <a:t>mô</a:t>
-            </a:r>
-            <a:r>
-              <a:rPr lang="en-US" sz="2849" dirty="0">
-                <a:solidFill>
-                  <a:srgbClr val="273755"/>
-                </a:solidFill>
-                <a:latin typeface="Noto Serif"/>
-              </a:rPr>
-              <a:t> </a:t>
-            </a:r>
-            <a:r>
-              <a:rPr lang="en-US" sz="2849" dirty="0" err="1">
-                <a:solidFill>
-                  <a:srgbClr val="273755"/>
-                </a:solidFill>
-                <a:latin typeface="Noto Serif"/>
-              </a:rPr>
-              <a:t>hình</a:t>
-            </a:r>
-            <a:r>
-              <a:rPr lang="en-US" sz="2849" dirty="0">
-                <a:solidFill>
-                  <a:srgbClr val="273755"/>
-                </a:solidFill>
-                <a:latin typeface="Noto Serif"/>
-              </a:rPr>
-              <a:t> </a:t>
-            </a:r>
-            <a:r>
-              <a:rPr lang="en-US" sz="2849" dirty="0" err="1">
-                <a:solidFill>
-                  <a:srgbClr val="273755"/>
-                </a:solidFill>
-                <a:latin typeface="Noto Serif"/>
-              </a:rPr>
-              <a:t>dự</a:t>
-            </a:r>
-            <a:r>
-              <a:rPr lang="en-US" sz="2849" dirty="0">
-                <a:solidFill>
-                  <a:srgbClr val="273755"/>
-                </a:solidFill>
-                <a:latin typeface="Noto Serif"/>
-              </a:rPr>
-              <a:t> </a:t>
-            </a:r>
-            <a:r>
-              <a:rPr lang="en-US" sz="2849" dirty="0" err="1">
-                <a:solidFill>
-                  <a:srgbClr val="273755"/>
-                </a:solidFill>
-                <a:latin typeface="Noto Serif"/>
-              </a:rPr>
-              <a:t>đoán</a:t>
-            </a:r>
-            <a:r>
-              <a:rPr lang="en-US" sz="2849" dirty="0">
-                <a:solidFill>
-                  <a:srgbClr val="273755"/>
-                </a:solidFill>
-                <a:latin typeface="Noto Serif"/>
-              </a:rPr>
-              <a:t> </a:t>
-            </a:r>
-            <a:r>
-              <a:rPr lang="en-US" sz="2849" dirty="0" err="1">
-                <a:solidFill>
-                  <a:srgbClr val="273755"/>
-                </a:solidFill>
-                <a:latin typeface="Noto Serif"/>
-              </a:rPr>
-              <a:t>liệu</a:t>
-            </a:r>
-            <a:r>
-              <a:rPr lang="en-US" sz="2849" dirty="0">
-                <a:solidFill>
-                  <a:srgbClr val="273755"/>
-                </a:solidFill>
-                <a:latin typeface="Noto Serif"/>
-              </a:rPr>
-              <a:t> </a:t>
-            </a:r>
-            <a:r>
-              <a:rPr lang="en-US" sz="2849" dirty="0" err="1">
-                <a:solidFill>
-                  <a:srgbClr val="273755"/>
-                </a:solidFill>
-                <a:latin typeface="Noto Serif"/>
-              </a:rPr>
-              <a:t>chuyến</a:t>
-            </a:r>
-            <a:r>
-              <a:rPr lang="en-US" sz="2849" dirty="0">
-                <a:solidFill>
-                  <a:srgbClr val="273755"/>
-                </a:solidFill>
-                <a:latin typeface="Noto Serif"/>
-              </a:rPr>
-              <a:t> bay </a:t>
-            </a:r>
-            <a:r>
-              <a:rPr lang="en-US" sz="2849" dirty="0" err="1">
-                <a:solidFill>
-                  <a:srgbClr val="273755"/>
-                </a:solidFill>
-                <a:latin typeface="Noto Serif"/>
-              </a:rPr>
-              <a:t>có</a:t>
-            </a:r>
-            <a:r>
-              <a:rPr lang="en-US" sz="2849" dirty="0">
-                <a:solidFill>
-                  <a:srgbClr val="273755"/>
-                </a:solidFill>
-                <a:latin typeface="Noto Serif"/>
-              </a:rPr>
-              <a:t> </a:t>
-            </a:r>
-            <a:r>
-              <a:rPr lang="en-US" sz="2849" dirty="0" err="1">
-                <a:solidFill>
-                  <a:srgbClr val="273755"/>
-                </a:solidFill>
-                <a:latin typeface="Noto Serif"/>
-              </a:rPr>
-              <a:t>bị</a:t>
-            </a:r>
-            <a:r>
-              <a:rPr lang="en-US" sz="2849" dirty="0">
-                <a:solidFill>
-                  <a:srgbClr val="273755"/>
-                </a:solidFill>
-                <a:latin typeface="Noto Serif"/>
-              </a:rPr>
-              <a:t> </a:t>
-            </a:r>
-            <a:r>
-              <a:rPr lang="en-US" sz="2849" dirty="0" err="1">
-                <a:solidFill>
-                  <a:srgbClr val="273755"/>
-                </a:solidFill>
-                <a:latin typeface="Noto Serif"/>
-              </a:rPr>
-              <a:t>trì</a:t>
-            </a:r>
-            <a:r>
-              <a:rPr lang="en-US" sz="2849" dirty="0">
-                <a:solidFill>
-                  <a:srgbClr val="273755"/>
-                </a:solidFill>
-                <a:latin typeface="Noto Serif"/>
-              </a:rPr>
-              <a:t> </a:t>
-            </a:r>
-            <a:r>
-              <a:rPr lang="en-US" sz="2849" dirty="0" err="1">
-                <a:solidFill>
-                  <a:srgbClr val="273755"/>
-                </a:solidFill>
-                <a:latin typeface="Noto Serif"/>
-              </a:rPr>
-              <a:t>hoãn</a:t>
-            </a:r>
-            <a:r>
-              <a:rPr lang="en-US" sz="2849" dirty="0">
-                <a:solidFill>
-                  <a:srgbClr val="273755"/>
-                </a:solidFill>
-                <a:latin typeface="Noto Serif"/>
-              </a:rPr>
-              <a:t> - delay hay </a:t>
-            </a:r>
-            <a:r>
-              <a:rPr lang="en-US" sz="2849" dirty="0" err="1">
-                <a:solidFill>
-                  <a:srgbClr val="273755"/>
-                </a:solidFill>
-                <a:latin typeface="Noto Serif"/>
-              </a:rPr>
-              <a:t>không</a:t>
-            </a:r>
-            <a:r>
-              <a:rPr lang="en-US" sz="2849" dirty="0">
-                <a:solidFill>
-                  <a:srgbClr val="273755"/>
-                </a:solidFill>
-                <a:latin typeface="Noto Serif"/>
-              </a:rPr>
-              <a:t>" </a:t>
-            </a:r>
-            <a:r>
-              <a:rPr lang="en-US" sz="2849" dirty="0" err="1">
-                <a:solidFill>
-                  <a:srgbClr val="273755"/>
-                </a:solidFill>
-                <a:latin typeface="Noto Serif"/>
-              </a:rPr>
-              <a:t>là</a:t>
-            </a:r>
-            <a:r>
-              <a:rPr lang="en-US" sz="2849" dirty="0">
-                <a:solidFill>
-                  <a:srgbClr val="273755"/>
-                </a:solidFill>
-                <a:latin typeface="Noto Serif"/>
-              </a:rPr>
-              <a:t> </a:t>
-            </a:r>
-            <a:r>
-              <a:rPr lang="en-US" sz="2849" dirty="0" err="1">
-                <a:solidFill>
-                  <a:srgbClr val="273755"/>
-                </a:solidFill>
-                <a:latin typeface="Noto Serif"/>
-              </a:rPr>
-              <a:t>một</a:t>
-            </a:r>
-            <a:r>
-              <a:rPr lang="en-US" sz="2849" dirty="0">
-                <a:solidFill>
-                  <a:srgbClr val="273755"/>
-                </a:solidFill>
-                <a:latin typeface="Noto Serif"/>
-              </a:rPr>
-              <a:t> </a:t>
-            </a:r>
-            <a:r>
-              <a:rPr lang="en-US" sz="2849" dirty="0" err="1">
-                <a:solidFill>
-                  <a:srgbClr val="273755"/>
-                </a:solidFill>
-                <a:latin typeface="Noto Serif"/>
-              </a:rPr>
-              <a:t>lĩnh</a:t>
-            </a:r>
-            <a:r>
-              <a:rPr lang="en-US" sz="2849" dirty="0">
-                <a:solidFill>
-                  <a:srgbClr val="273755"/>
-                </a:solidFill>
-                <a:latin typeface="Noto Serif"/>
-              </a:rPr>
-              <a:t> </a:t>
-            </a:r>
-            <a:r>
-              <a:rPr lang="en-US" sz="2849" dirty="0" err="1">
-                <a:solidFill>
-                  <a:srgbClr val="273755"/>
-                </a:solidFill>
-                <a:latin typeface="Noto Serif"/>
-              </a:rPr>
-              <a:t>vực</a:t>
-            </a:r>
-            <a:r>
-              <a:rPr lang="en-US" sz="2849" dirty="0">
-                <a:solidFill>
-                  <a:srgbClr val="273755"/>
-                </a:solidFill>
-                <a:latin typeface="Noto Serif"/>
-              </a:rPr>
-              <a:t> </a:t>
-            </a:r>
-            <a:r>
-              <a:rPr lang="en-US" sz="2849" dirty="0" err="1">
-                <a:solidFill>
-                  <a:srgbClr val="273755"/>
-                </a:solidFill>
-                <a:latin typeface="Noto Serif"/>
-              </a:rPr>
-              <a:t>quan</a:t>
-            </a:r>
-            <a:r>
-              <a:rPr lang="en-US" sz="2849" dirty="0">
-                <a:solidFill>
-                  <a:srgbClr val="273755"/>
-                </a:solidFill>
-                <a:latin typeface="Noto Serif"/>
-              </a:rPr>
-              <a:t> </a:t>
-            </a:r>
-            <a:r>
-              <a:rPr lang="en-US" sz="2849" dirty="0" err="1">
-                <a:solidFill>
-                  <a:srgbClr val="273755"/>
-                </a:solidFill>
-                <a:latin typeface="Noto Serif"/>
-              </a:rPr>
-              <a:t>trọng</a:t>
-            </a:r>
-            <a:r>
-              <a:rPr lang="en-US" sz="2849" dirty="0">
-                <a:solidFill>
-                  <a:srgbClr val="273755"/>
-                </a:solidFill>
-                <a:latin typeface="Noto Serif"/>
-              </a:rPr>
-              <a:t> </a:t>
-            </a:r>
-            <a:r>
-              <a:rPr lang="en-US" sz="2849" dirty="0" err="1">
-                <a:solidFill>
-                  <a:srgbClr val="273755"/>
-                </a:solidFill>
-                <a:latin typeface="Noto Serif"/>
-              </a:rPr>
-              <a:t>trong</a:t>
-            </a:r>
-            <a:r>
-              <a:rPr lang="en-US" sz="2849" dirty="0">
-                <a:solidFill>
-                  <a:srgbClr val="273755"/>
-                </a:solidFill>
-                <a:latin typeface="Noto Serif"/>
-              </a:rPr>
-              <a:t> </a:t>
-            </a:r>
-            <a:r>
-              <a:rPr lang="en-US" sz="2849" dirty="0" err="1">
-                <a:solidFill>
-                  <a:srgbClr val="273755"/>
-                </a:solidFill>
-                <a:latin typeface="Noto Serif"/>
-              </a:rPr>
-              <a:t>phân</a:t>
-            </a:r>
-            <a:r>
-              <a:rPr lang="en-US" sz="2849" dirty="0">
-                <a:solidFill>
-                  <a:srgbClr val="273755"/>
-                </a:solidFill>
-                <a:latin typeface="Noto Serif"/>
-              </a:rPr>
-              <a:t> </a:t>
-            </a:r>
-            <a:r>
-              <a:rPr lang="en-US" sz="2849" dirty="0" err="1">
-                <a:solidFill>
-                  <a:srgbClr val="273755"/>
-                </a:solidFill>
-                <a:latin typeface="Noto Serif"/>
-              </a:rPr>
-              <a:t>tích</a:t>
-            </a:r>
-            <a:r>
-              <a:rPr lang="en-US" sz="2849" dirty="0">
-                <a:solidFill>
-                  <a:srgbClr val="273755"/>
-                </a:solidFill>
-                <a:latin typeface="Noto Serif"/>
-              </a:rPr>
-              <a:t> </a:t>
-            </a:r>
-            <a:r>
-              <a:rPr lang="en-US" sz="2849" dirty="0" err="1">
-                <a:solidFill>
-                  <a:srgbClr val="273755"/>
-                </a:solidFill>
-                <a:latin typeface="Noto Serif"/>
-              </a:rPr>
-              <a:t>dữ</a:t>
-            </a:r>
-            <a:r>
-              <a:rPr lang="en-US" sz="2849" dirty="0">
-                <a:solidFill>
-                  <a:srgbClr val="273755"/>
-                </a:solidFill>
-                <a:latin typeface="Noto Serif"/>
-              </a:rPr>
-              <a:t> </a:t>
-            </a:r>
-            <a:r>
-              <a:rPr lang="en-US" sz="2849" dirty="0" err="1">
-                <a:solidFill>
-                  <a:srgbClr val="273755"/>
-                </a:solidFill>
-                <a:latin typeface="Noto Serif"/>
-              </a:rPr>
-              <a:t>liệu</a:t>
-            </a:r>
-            <a:r>
-              <a:rPr lang="en-US" sz="2849" dirty="0">
-                <a:solidFill>
-                  <a:srgbClr val="273755"/>
-                </a:solidFill>
-                <a:latin typeface="Noto Serif"/>
-              </a:rPr>
-              <a:t> </a:t>
-            </a:r>
-            <a:r>
-              <a:rPr lang="en-US" sz="2849" dirty="0" err="1">
-                <a:solidFill>
-                  <a:srgbClr val="273755"/>
-                </a:solidFill>
-                <a:latin typeface="Noto Serif"/>
-              </a:rPr>
-              <a:t>và</a:t>
-            </a:r>
-            <a:r>
-              <a:rPr lang="en-US" sz="2849" dirty="0">
-                <a:solidFill>
-                  <a:srgbClr val="273755"/>
-                </a:solidFill>
-                <a:latin typeface="Noto Serif"/>
-              </a:rPr>
-              <a:t> </a:t>
-            </a:r>
-            <a:r>
-              <a:rPr lang="en-US" sz="2849" dirty="0" err="1">
-                <a:solidFill>
-                  <a:srgbClr val="273755"/>
-                </a:solidFill>
-                <a:latin typeface="Noto Serif"/>
-              </a:rPr>
-              <a:t>học</a:t>
-            </a:r>
-            <a:r>
-              <a:rPr lang="en-US" sz="2849" dirty="0">
-                <a:solidFill>
-                  <a:srgbClr val="273755"/>
-                </a:solidFill>
-                <a:latin typeface="Noto Serif"/>
-              </a:rPr>
-              <a:t> </a:t>
-            </a:r>
-            <a:r>
-              <a:rPr lang="en-US" sz="2849" dirty="0" err="1">
-                <a:solidFill>
-                  <a:srgbClr val="273755"/>
-                </a:solidFill>
-                <a:latin typeface="Noto Serif"/>
-              </a:rPr>
-              <a:t>máy</a:t>
-            </a:r>
-            <a:r>
-              <a:rPr lang="en-US" sz="2849" dirty="0">
-                <a:solidFill>
-                  <a:srgbClr val="273755"/>
-                </a:solidFill>
-                <a:latin typeface="Noto Serif"/>
-              </a:rPr>
-              <a:t>. </a:t>
-            </a:r>
-            <a:r>
-              <a:rPr lang="en-US" sz="2849" dirty="0" err="1">
-                <a:solidFill>
-                  <a:srgbClr val="273755"/>
-                </a:solidFill>
-                <a:latin typeface="Noto Serif"/>
-              </a:rPr>
-              <a:t>Bằng</a:t>
-            </a:r>
-            <a:r>
-              <a:rPr lang="en-US" sz="2849" dirty="0">
-                <a:solidFill>
-                  <a:srgbClr val="273755"/>
-                </a:solidFill>
-                <a:latin typeface="Noto Serif"/>
-              </a:rPr>
-              <a:t> </a:t>
-            </a:r>
-            <a:r>
-              <a:rPr lang="en-US" sz="2849" dirty="0" err="1">
-                <a:solidFill>
-                  <a:srgbClr val="273755"/>
-                </a:solidFill>
-                <a:latin typeface="Noto Serif"/>
-              </a:rPr>
-              <a:t>cách</a:t>
-            </a:r>
-            <a:r>
-              <a:rPr lang="en-US" sz="2849" dirty="0">
-                <a:solidFill>
-                  <a:srgbClr val="273755"/>
-                </a:solidFill>
-                <a:latin typeface="Noto Serif"/>
-              </a:rPr>
-              <a:t> </a:t>
-            </a:r>
-            <a:r>
-              <a:rPr lang="en-US" sz="2849" dirty="0" err="1">
-                <a:solidFill>
-                  <a:srgbClr val="273755"/>
-                </a:solidFill>
-                <a:latin typeface="Noto Serif"/>
-              </a:rPr>
-              <a:t>sử</a:t>
-            </a:r>
-            <a:r>
-              <a:rPr lang="en-US" sz="2849" dirty="0">
-                <a:solidFill>
-                  <a:srgbClr val="273755"/>
-                </a:solidFill>
-                <a:latin typeface="Noto Serif"/>
-              </a:rPr>
-              <a:t> </a:t>
-            </a:r>
-            <a:r>
-              <a:rPr lang="en-US" sz="2849" dirty="0" err="1">
-                <a:solidFill>
-                  <a:srgbClr val="273755"/>
-                </a:solidFill>
-                <a:latin typeface="Noto Serif"/>
-              </a:rPr>
-              <a:t>dụng</a:t>
-            </a:r>
-            <a:r>
-              <a:rPr lang="en-US" sz="2849" dirty="0">
-                <a:solidFill>
-                  <a:srgbClr val="273755"/>
-                </a:solidFill>
-                <a:latin typeface="Noto Serif"/>
-              </a:rPr>
-              <a:t> </a:t>
-            </a:r>
-            <a:r>
-              <a:rPr lang="en-US" sz="2849" dirty="0" err="1">
-                <a:solidFill>
-                  <a:srgbClr val="273755"/>
-                </a:solidFill>
-                <a:latin typeface="Noto Serif"/>
-              </a:rPr>
-              <a:t>dữ</a:t>
-            </a:r>
-            <a:r>
-              <a:rPr lang="en-US" sz="2849" dirty="0">
-                <a:solidFill>
-                  <a:srgbClr val="273755"/>
-                </a:solidFill>
-                <a:latin typeface="Noto Serif"/>
-              </a:rPr>
-              <a:t> </a:t>
-            </a:r>
-            <a:r>
-              <a:rPr lang="en-US" sz="2849" dirty="0" err="1">
-                <a:solidFill>
-                  <a:srgbClr val="273755"/>
-                </a:solidFill>
-                <a:latin typeface="Noto Serif"/>
-              </a:rPr>
-              <a:t>liệu</a:t>
-            </a:r>
-            <a:r>
-              <a:rPr lang="en-US" sz="2849" dirty="0">
-                <a:solidFill>
-                  <a:srgbClr val="273755"/>
-                </a:solidFill>
-                <a:latin typeface="Noto Serif"/>
-              </a:rPr>
-              <a:t> </a:t>
-            </a:r>
-            <a:r>
-              <a:rPr lang="en-US" sz="2849" dirty="0" err="1">
-                <a:solidFill>
-                  <a:srgbClr val="273755"/>
-                </a:solidFill>
-                <a:latin typeface="Noto Serif"/>
-              </a:rPr>
-              <a:t>lịch</a:t>
-            </a:r>
-            <a:r>
-              <a:rPr lang="en-US" sz="2849" dirty="0">
-                <a:solidFill>
-                  <a:srgbClr val="273755"/>
-                </a:solidFill>
-                <a:latin typeface="Noto Serif"/>
-              </a:rPr>
-              <a:t> </a:t>
-            </a:r>
-            <a:r>
-              <a:rPr lang="en-US" sz="2849" dirty="0" err="1">
-                <a:solidFill>
-                  <a:srgbClr val="273755"/>
-                </a:solidFill>
-                <a:latin typeface="Noto Serif"/>
-              </a:rPr>
-              <a:t>sử</a:t>
-            </a:r>
-            <a:r>
-              <a:rPr lang="en-US" sz="2849" dirty="0">
-                <a:solidFill>
-                  <a:srgbClr val="273755"/>
-                </a:solidFill>
-                <a:latin typeface="Noto Serif"/>
-              </a:rPr>
-              <a:t> </a:t>
-            </a:r>
-            <a:r>
-              <a:rPr lang="en-US" sz="2849" dirty="0" err="1">
-                <a:solidFill>
-                  <a:srgbClr val="273755"/>
-                </a:solidFill>
-                <a:latin typeface="Noto Serif"/>
-              </a:rPr>
-              <a:t>về</a:t>
-            </a:r>
-            <a:r>
-              <a:rPr lang="en-US" sz="2849" dirty="0">
-                <a:solidFill>
-                  <a:srgbClr val="273755"/>
-                </a:solidFill>
-                <a:latin typeface="Noto Serif"/>
-              </a:rPr>
-              <a:t> </a:t>
-            </a:r>
-            <a:r>
-              <a:rPr lang="en-US" sz="2849" dirty="0" err="1">
-                <a:solidFill>
-                  <a:srgbClr val="273755"/>
-                </a:solidFill>
-                <a:latin typeface="Noto Serif"/>
-              </a:rPr>
-              <a:t>các</a:t>
-            </a:r>
-            <a:r>
-              <a:rPr lang="en-US" sz="2849" dirty="0">
-                <a:solidFill>
-                  <a:srgbClr val="273755"/>
-                </a:solidFill>
-                <a:latin typeface="Noto Serif"/>
-              </a:rPr>
-              <a:t> </a:t>
-            </a:r>
-            <a:r>
-              <a:rPr lang="en-US" sz="2849" dirty="0" err="1">
-                <a:solidFill>
-                  <a:srgbClr val="273755"/>
-                </a:solidFill>
-                <a:latin typeface="Noto Serif"/>
-              </a:rPr>
-              <a:t>chuyến</a:t>
-            </a:r>
-            <a:r>
-              <a:rPr lang="en-US" sz="2849" dirty="0">
-                <a:solidFill>
-                  <a:srgbClr val="273755"/>
-                </a:solidFill>
-                <a:latin typeface="Noto Serif"/>
-              </a:rPr>
-              <a:t> bay, </a:t>
-            </a:r>
-            <a:r>
-              <a:rPr lang="en-US" sz="2849" dirty="0" err="1">
-                <a:solidFill>
-                  <a:srgbClr val="273755"/>
-                </a:solidFill>
-                <a:latin typeface="Noto Serif"/>
-              </a:rPr>
-              <a:t>mục</a:t>
-            </a:r>
-            <a:r>
-              <a:rPr lang="en-US" sz="2849" dirty="0">
-                <a:solidFill>
-                  <a:srgbClr val="273755"/>
-                </a:solidFill>
-                <a:latin typeface="Noto Serif"/>
-              </a:rPr>
-              <a:t> </a:t>
-            </a:r>
-            <a:r>
-              <a:rPr lang="en-US" sz="2849" dirty="0" err="1">
-                <a:solidFill>
-                  <a:srgbClr val="273755"/>
-                </a:solidFill>
-                <a:latin typeface="Noto Serif"/>
-              </a:rPr>
-              <a:t>tiêu</a:t>
-            </a:r>
-            <a:r>
-              <a:rPr lang="en-US" sz="2849" dirty="0">
-                <a:solidFill>
-                  <a:srgbClr val="273755"/>
-                </a:solidFill>
-                <a:latin typeface="Noto Serif"/>
-              </a:rPr>
-              <a:t> </a:t>
-            </a:r>
-            <a:r>
-              <a:rPr lang="en-US" sz="2849" dirty="0" err="1">
-                <a:solidFill>
-                  <a:srgbClr val="273755"/>
-                </a:solidFill>
-                <a:latin typeface="Noto Serif"/>
-              </a:rPr>
-              <a:t>là</a:t>
-            </a:r>
-            <a:r>
-              <a:rPr lang="en-US" sz="2849" dirty="0">
-                <a:solidFill>
-                  <a:srgbClr val="273755"/>
-                </a:solidFill>
-                <a:latin typeface="Noto Serif"/>
-              </a:rPr>
-              <a:t> </a:t>
-            </a:r>
-            <a:r>
-              <a:rPr lang="en-US" sz="2849" dirty="0" err="1">
-                <a:solidFill>
-                  <a:srgbClr val="273755"/>
-                </a:solidFill>
-                <a:latin typeface="Noto Serif"/>
-              </a:rPr>
-              <a:t>xây</a:t>
-            </a:r>
-            <a:r>
-              <a:rPr lang="en-US" sz="2849" dirty="0">
-                <a:solidFill>
-                  <a:srgbClr val="273755"/>
-                </a:solidFill>
-                <a:latin typeface="Noto Serif"/>
-              </a:rPr>
-              <a:t> </a:t>
-            </a:r>
-            <a:r>
-              <a:rPr lang="en-US" sz="2849" dirty="0" err="1">
-                <a:solidFill>
-                  <a:srgbClr val="273755"/>
-                </a:solidFill>
-                <a:latin typeface="Noto Serif"/>
-              </a:rPr>
-              <a:t>dựng</a:t>
-            </a:r>
-            <a:r>
-              <a:rPr lang="en-US" sz="2849" dirty="0">
-                <a:solidFill>
-                  <a:srgbClr val="273755"/>
-                </a:solidFill>
-                <a:latin typeface="Noto Serif"/>
-              </a:rPr>
-              <a:t> </a:t>
-            </a:r>
-            <a:r>
-              <a:rPr lang="en-US" sz="2849" dirty="0" err="1">
-                <a:solidFill>
-                  <a:srgbClr val="273755"/>
-                </a:solidFill>
-                <a:latin typeface="Noto Serif"/>
-              </a:rPr>
-              <a:t>một</a:t>
-            </a:r>
-            <a:r>
-              <a:rPr lang="en-US" sz="2849" dirty="0">
-                <a:solidFill>
-                  <a:srgbClr val="273755"/>
-                </a:solidFill>
-                <a:latin typeface="Noto Serif"/>
-              </a:rPr>
-              <a:t> </a:t>
-            </a:r>
-            <a:r>
-              <a:rPr lang="en-US" sz="2849" dirty="0" err="1">
-                <a:solidFill>
-                  <a:srgbClr val="273755"/>
-                </a:solidFill>
-                <a:latin typeface="Noto Serif"/>
-              </a:rPr>
-              <a:t>mô</a:t>
-            </a:r>
-            <a:r>
-              <a:rPr lang="en-US" sz="2849" dirty="0">
-                <a:solidFill>
-                  <a:srgbClr val="273755"/>
-                </a:solidFill>
-                <a:latin typeface="Noto Serif"/>
-              </a:rPr>
-              <a:t> </a:t>
-            </a:r>
-            <a:r>
-              <a:rPr lang="en-US" sz="2849" dirty="0" err="1">
-                <a:solidFill>
-                  <a:srgbClr val="273755"/>
-                </a:solidFill>
-                <a:latin typeface="Noto Serif"/>
-              </a:rPr>
-              <a:t>hình</a:t>
-            </a:r>
-            <a:r>
-              <a:rPr lang="en-US" sz="2849" dirty="0">
-                <a:solidFill>
-                  <a:srgbClr val="273755"/>
-                </a:solidFill>
-                <a:latin typeface="Noto Serif"/>
-              </a:rPr>
-              <a:t> </a:t>
-            </a:r>
-            <a:r>
-              <a:rPr lang="en-US" sz="2849" dirty="0" err="1">
-                <a:solidFill>
-                  <a:srgbClr val="273755"/>
-                </a:solidFill>
-                <a:latin typeface="Noto Serif"/>
-              </a:rPr>
-              <a:t>dự</a:t>
-            </a:r>
-            <a:r>
-              <a:rPr lang="en-US" sz="2849" dirty="0">
-                <a:solidFill>
-                  <a:srgbClr val="273755"/>
-                </a:solidFill>
-                <a:latin typeface="Noto Serif"/>
-              </a:rPr>
-              <a:t> </a:t>
-            </a:r>
-            <a:r>
-              <a:rPr lang="en-US" sz="2849" dirty="0" err="1">
-                <a:solidFill>
-                  <a:srgbClr val="273755"/>
-                </a:solidFill>
-                <a:latin typeface="Noto Serif"/>
-              </a:rPr>
-              <a:t>đoán</a:t>
-            </a:r>
-            <a:r>
-              <a:rPr lang="en-US" sz="2849" dirty="0">
-                <a:solidFill>
-                  <a:srgbClr val="273755"/>
-                </a:solidFill>
-                <a:latin typeface="Noto Serif"/>
-              </a:rPr>
-              <a:t> </a:t>
-            </a:r>
-            <a:r>
-              <a:rPr lang="en-US" sz="2849" dirty="0" err="1">
-                <a:solidFill>
-                  <a:srgbClr val="273755"/>
-                </a:solidFill>
-                <a:latin typeface="Noto Serif"/>
-              </a:rPr>
-              <a:t>xác</a:t>
-            </a:r>
-            <a:r>
-              <a:rPr lang="en-US" sz="2849" dirty="0">
-                <a:solidFill>
-                  <a:srgbClr val="273755"/>
-                </a:solidFill>
-                <a:latin typeface="Noto Serif"/>
-              </a:rPr>
-              <a:t> </a:t>
-            </a:r>
-            <a:r>
-              <a:rPr lang="en-US" sz="2849" dirty="0" err="1">
-                <a:solidFill>
-                  <a:srgbClr val="273755"/>
-                </a:solidFill>
-                <a:latin typeface="Noto Serif"/>
-              </a:rPr>
-              <a:t>suất</a:t>
-            </a:r>
-            <a:r>
-              <a:rPr lang="en-US" sz="2849" dirty="0">
-                <a:solidFill>
-                  <a:srgbClr val="273755"/>
-                </a:solidFill>
-                <a:latin typeface="Noto Serif"/>
-              </a:rPr>
-              <a:t> </a:t>
-            </a:r>
-            <a:r>
-              <a:rPr lang="en-US" sz="2849" dirty="0" err="1">
-                <a:solidFill>
-                  <a:srgbClr val="273755"/>
-                </a:solidFill>
-                <a:latin typeface="Noto Serif"/>
-              </a:rPr>
-              <a:t>chuyến</a:t>
-            </a:r>
-            <a:r>
-              <a:rPr lang="en-US" sz="2849" dirty="0">
-                <a:solidFill>
-                  <a:srgbClr val="273755"/>
-                </a:solidFill>
-                <a:latin typeface="Noto Serif"/>
-              </a:rPr>
-              <a:t> bay </a:t>
-            </a:r>
-            <a:r>
-              <a:rPr lang="en-US" sz="2849" dirty="0" err="1">
-                <a:solidFill>
-                  <a:srgbClr val="273755"/>
-                </a:solidFill>
-                <a:latin typeface="Noto Serif"/>
-              </a:rPr>
-              <a:t>bị</a:t>
-            </a:r>
-            <a:r>
-              <a:rPr lang="en-US" sz="2849" dirty="0">
-                <a:solidFill>
-                  <a:srgbClr val="273755"/>
-                </a:solidFill>
-                <a:latin typeface="Noto Serif"/>
-              </a:rPr>
-              <a:t> </a:t>
-            </a:r>
-            <a:r>
-              <a:rPr lang="en-US" sz="2849" dirty="0" err="1">
-                <a:solidFill>
-                  <a:srgbClr val="273755"/>
-                </a:solidFill>
-                <a:latin typeface="Noto Serif"/>
-              </a:rPr>
-              <a:t>trì</a:t>
-            </a:r>
-            <a:r>
-              <a:rPr lang="en-US" sz="2849" dirty="0">
-                <a:solidFill>
-                  <a:srgbClr val="273755"/>
-                </a:solidFill>
-                <a:latin typeface="Noto Serif"/>
-              </a:rPr>
-              <a:t> </a:t>
-            </a:r>
-            <a:r>
-              <a:rPr lang="en-US" sz="2849" dirty="0" err="1">
-                <a:solidFill>
-                  <a:srgbClr val="273755"/>
-                </a:solidFill>
-                <a:latin typeface="Noto Serif"/>
-              </a:rPr>
-              <a:t>hoãn</a:t>
-            </a:r>
-            <a:endParaRPr lang="en-US" sz="2849" dirty="0">
-              <a:solidFill>
-                <a:srgbClr val="273755"/>
-              </a:solidFill>
-              <a:latin typeface="Noto Serif"/>
-            </a:endParaRPr>
-          </a:p>
-          <a:p>
-            <a:pPr marL="307656" lvl="1">
+              <a:t>The topic "Analyzing historical flight data to build a model to predict whether a flight will be delayed or not" is an important field in data analysis and machine learning. Using historical data on flights, the goal is to build a model that predicts the probability of a flight being delayed</a:t>
+            </a:r>
+          </a:p>
+          <a:p>
+            <a:pPr marL="307656" lvl="1" algn="just">
               <a:lnSpc>
                 <a:spcPts val="3989"/>
               </a:lnSpc>
@@ -11076,32 +9665,21 @@
               <a:buChar char="•"/>
             </a:pPr>
             <a:r>
-              <a:rPr lang="en-US" sz="2849" dirty="0" err="1">
-                <a:solidFill>
-                  <a:srgbClr val="273755"/>
-                </a:solidFill>
-                <a:latin typeface="Noto Serif"/>
-              </a:rPr>
-              <a:t>Một</a:t>
-            </a:r>
-            <a:r>
               <a:rPr lang="en-US" sz="2849" dirty="0">
                 <a:solidFill>
                   <a:srgbClr val="273755"/>
                 </a:solidFill>
                 <a:latin typeface="Noto Serif"/>
               </a:rPr>
-              <a:t> </a:t>
-            </a:r>
-            <a:r>
-              <a:rPr lang="en-US" sz="2849" dirty="0" err="1">
-                <a:solidFill>
-                  <a:srgbClr val="273755"/>
-                </a:solidFill>
-                <a:latin typeface="Noto Serif"/>
-              </a:rPr>
-              <a:t>số</a:t>
-            </a:r>
+              <a:t>Some questions arise</a:t>
+            </a:r>
+          </a:p>
+          <a:p>
+            <a:pPr marL="307656" lvl="1">
+              <a:lnSpc>
+                <a:spcPts val="3989"/>
+              </a:lnSpc>
+            </a:pPr>
             <a:r>
               <a:rPr lang="en-US" sz="2849" dirty="0">
                 <a:solidFill>
@@ -11109,17 +9687,15 @@
                 </a:solidFill>
                 <a:latin typeface="Noto Serif"/>
               </a:rPr>
-              <a:t> </a:t>
-            </a:r>
-            <a:r>
-              <a:rPr lang="en-US" sz="2849" dirty="0" err="1">
-                <a:solidFill>
-                  <a:srgbClr val="273755"/>
-                </a:solidFill>
-                <a:latin typeface="Noto Serif"/>
-              </a:rPr>
-              <a:t>câu</a:t>
-            </a:r>
+              <a:t>   - What factors are closely correlated to each other that affect the delay? </a:t>
+            </a:r>
+          </a:p>
+          <a:p>
+            <a:pPr marL="307656" lvl="1">
+              <a:lnSpc>
+                <a:spcPts val="3989"/>
+              </a:lnSpc>
+            </a:pPr>
             <a:r>
               <a:rPr lang="en-US" sz="2849" dirty="0">
                 <a:solidFill>
@@ -11127,543 +9703,7 @@
                 </a:solidFill>
                 <a:latin typeface="Noto Serif"/>
               </a:rPr>
-              <a:t> </a:t>
-            </a:r>
-            <a:r>
-              <a:rPr lang="en-US" sz="2849" dirty="0" err="1">
-                <a:solidFill>
-                  <a:srgbClr val="273755"/>
-                </a:solidFill>
-                <a:latin typeface="Noto Serif"/>
-              </a:rPr>
-              <a:t>hỏi</a:t>
-            </a:r>
-            <a:r>
-              <a:rPr lang="en-US" sz="2849" dirty="0">
-                <a:solidFill>
-                  <a:srgbClr val="273755"/>
-                </a:solidFill>
-                <a:latin typeface="Noto Serif"/>
-              </a:rPr>
-              <a:t> </a:t>
-            </a:r>
-            <a:r>
-              <a:rPr lang="en-US" sz="2849" dirty="0" err="1">
-                <a:solidFill>
-                  <a:srgbClr val="273755"/>
-                </a:solidFill>
-                <a:latin typeface="Noto Serif"/>
-              </a:rPr>
-              <a:t>đặt</a:t>
-            </a:r>
-            <a:r>
-              <a:rPr lang="en-US" sz="2849" dirty="0">
-                <a:solidFill>
-                  <a:srgbClr val="273755"/>
-                </a:solidFill>
-                <a:latin typeface="Noto Serif"/>
-              </a:rPr>
-              <a:t> </a:t>
-            </a:r>
-            <a:r>
-              <a:rPr lang="en-US" sz="2849" dirty="0" err="1">
-                <a:solidFill>
-                  <a:srgbClr val="273755"/>
-                </a:solidFill>
-                <a:latin typeface="Noto Serif"/>
-              </a:rPr>
-              <a:t>ra</a:t>
-            </a:r>
-            <a:r>
-              <a:rPr lang="en-US" sz="2849" dirty="0">
-                <a:solidFill>
-                  <a:srgbClr val="273755"/>
-                </a:solidFill>
-                <a:latin typeface="Noto Serif"/>
-              </a:rPr>
-              <a:t> </a:t>
-            </a:r>
-          </a:p>
-          <a:p>
-            <a:pPr marL="307656" lvl="1">
-              <a:lnSpc>
-                <a:spcPts val="3989"/>
-              </a:lnSpc>
-            </a:pPr>
-            <a:r>
-              <a:rPr lang="en-US" sz="2849" dirty="0">
-                <a:solidFill>
-                  <a:srgbClr val="273755"/>
-                </a:solidFill>
-                <a:latin typeface="Noto Serif"/>
-              </a:rPr>
-              <a:t>    - </a:t>
-            </a:r>
-            <a:r>
-              <a:rPr lang="en-US" sz="2849" dirty="0" err="1">
-                <a:solidFill>
-                  <a:srgbClr val="273755"/>
-                </a:solidFill>
-                <a:latin typeface="Noto Serif"/>
-              </a:rPr>
-              <a:t>Những</a:t>
-            </a:r>
-            <a:r>
-              <a:rPr lang="en-US" sz="2849" dirty="0">
-                <a:solidFill>
-                  <a:srgbClr val="273755"/>
-                </a:solidFill>
-                <a:latin typeface="Noto Serif"/>
-              </a:rPr>
-              <a:t> </a:t>
-            </a:r>
-            <a:r>
-              <a:rPr lang="en-US" sz="2849" dirty="0" err="1">
-                <a:solidFill>
-                  <a:srgbClr val="273755"/>
-                </a:solidFill>
-                <a:latin typeface="Noto Serif"/>
-              </a:rPr>
-              <a:t>yếu</a:t>
-            </a:r>
-            <a:r>
-              <a:rPr lang="en-US" sz="2849" dirty="0">
-                <a:solidFill>
-                  <a:srgbClr val="273755"/>
-                </a:solidFill>
-                <a:latin typeface="Noto Serif"/>
-              </a:rPr>
-              <a:t> </a:t>
-            </a:r>
-            <a:r>
-              <a:rPr lang="en-US" sz="2849" dirty="0" err="1">
-                <a:solidFill>
-                  <a:srgbClr val="273755"/>
-                </a:solidFill>
-                <a:latin typeface="Noto Serif"/>
-              </a:rPr>
-              <a:t>tố</a:t>
-            </a:r>
-            <a:r>
-              <a:rPr lang="en-US" sz="2849" dirty="0">
-                <a:solidFill>
-                  <a:srgbClr val="273755"/>
-                </a:solidFill>
-                <a:latin typeface="Noto Serif"/>
-              </a:rPr>
-              <a:t> </a:t>
-            </a:r>
-            <a:r>
-              <a:rPr lang="en-US" sz="2849" dirty="0" err="1">
-                <a:solidFill>
-                  <a:srgbClr val="273755"/>
-                </a:solidFill>
-                <a:latin typeface="Noto Serif"/>
-              </a:rPr>
-              <a:t>nào</a:t>
-            </a:r>
-            <a:r>
-              <a:rPr lang="en-US" sz="2849" dirty="0">
-                <a:solidFill>
-                  <a:srgbClr val="273755"/>
-                </a:solidFill>
-                <a:latin typeface="Noto Serif"/>
-              </a:rPr>
-              <a:t> </a:t>
-            </a:r>
-            <a:r>
-              <a:rPr lang="en-US" sz="2849" dirty="0" err="1">
-                <a:solidFill>
-                  <a:srgbClr val="273755"/>
-                </a:solidFill>
-                <a:latin typeface="Noto Serif"/>
-              </a:rPr>
-              <a:t>có</a:t>
-            </a:r>
-            <a:r>
-              <a:rPr lang="en-US" sz="2849" dirty="0">
-                <a:solidFill>
-                  <a:srgbClr val="273755"/>
-                </a:solidFill>
-                <a:latin typeface="Noto Serif"/>
-              </a:rPr>
-              <a:t> </a:t>
-            </a:r>
-            <a:r>
-              <a:rPr lang="en-US" sz="2849" dirty="0" err="1">
-                <a:solidFill>
-                  <a:srgbClr val="273755"/>
-                </a:solidFill>
-                <a:latin typeface="Noto Serif"/>
-              </a:rPr>
-              <a:t>mối</a:t>
-            </a:r>
-            <a:r>
-              <a:rPr lang="en-US" sz="2849" dirty="0">
-                <a:solidFill>
-                  <a:srgbClr val="273755"/>
-                </a:solidFill>
-                <a:latin typeface="Noto Serif"/>
-              </a:rPr>
-              <a:t> </a:t>
-            </a:r>
-            <a:r>
-              <a:rPr lang="en-US" sz="2849" dirty="0" err="1">
-                <a:solidFill>
-                  <a:srgbClr val="273755"/>
-                </a:solidFill>
-                <a:latin typeface="Noto Serif"/>
-              </a:rPr>
-              <a:t>tương</a:t>
-            </a:r>
-            <a:r>
-              <a:rPr lang="en-US" sz="2849" dirty="0">
-                <a:solidFill>
-                  <a:srgbClr val="273755"/>
-                </a:solidFill>
-                <a:latin typeface="Noto Serif"/>
-              </a:rPr>
-              <a:t> </a:t>
-            </a:r>
-            <a:r>
-              <a:rPr lang="en-US" sz="2849" dirty="0" err="1">
-                <a:solidFill>
-                  <a:srgbClr val="273755"/>
-                </a:solidFill>
-                <a:latin typeface="Noto Serif"/>
-              </a:rPr>
-              <a:t>quan</a:t>
-            </a:r>
-            <a:r>
-              <a:rPr lang="en-US" sz="2849" dirty="0">
-                <a:solidFill>
-                  <a:srgbClr val="273755"/>
-                </a:solidFill>
-                <a:latin typeface="Noto Serif"/>
-              </a:rPr>
-              <a:t> </a:t>
-            </a:r>
-            <a:r>
-              <a:rPr lang="en-US" sz="2849" dirty="0" err="1">
-                <a:solidFill>
-                  <a:srgbClr val="273755"/>
-                </a:solidFill>
-                <a:latin typeface="Noto Serif"/>
-              </a:rPr>
-              <a:t>chặt</a:t>
-            </a:r>
-            <a:r>
-              <a:rPr lang="en-US" sz="2849" dirty="0">
-                <a:solidFill>
-                  <a:srgbClr val="273755"/>
-                </a:solidFill>
-                <a:latin typeface="Noto Serif"/>
-              </a:rPr>
-              <a:t> </a:t>
-            </a:r>
-            <a:r>
-              <a:rPr lang="en-US" sz="2849" dirty="0" err="1">
-                <a:solidFill>
-                  <a:srgbClr val="273755"/>
-                </a:solidFill>
-                <a:latin typeface="Noto Serif"/>
-              </a:rPr>
-              <a:t>chẽ</a:t>
-            </a:r>
-            <a:r>
-              <a:rPr lang="en-US" sz="2849" dirty="0">
-                <a:solidFill>
-                  <a:srgbClr val="273755"/>
-                </a:solidFill>
-                <a:latin typeface="Noto Serif"/>
-              </a:rPr>
-              <a:t> </a:t>
-            </a:r>
-            <a:r>
-              <a:rPr lang="en-US" sz="2849" dirty="0" err="1">
-                <a:solidFill>
-                  <a:srgbClr val="273755"/>
-                </a:solidFill>
-                <a:latin typeface="Noto Serif"/>
-              </a:rPr>
-              <a:t>với</a:t>
-            </a:r>
-            <a:r>
-              <a:rPr lang="en-US" sz="2849" dirty="0">
-                <a:solidFill>
-                  <a:srgbClr val="273755"/>
-                </a:solidFill>
-                <a:latin typeface="Noto Serif"/>
-              </a:rPr>
-              <a:t> </a:t>
-            </a:r>
-            <a:r>
-              <a:rPr lang="en-US" sz="2849" dirty="0" err="1">
-                <a:solidFill>
-                  <a:srgbClr val="273755"/>
-                </a:solidFill>
-                <a:latin typeface="Noto Serif"/>
-              </a:rPr>
-              <a:t>nhau</a:t>
-            </a:r>
-            <a:r>
-              <a:rPr lang="en-US" sz="2849" dirty="0">
-                <a:solidFill>
-                  <a:srgbClr val="273755"/>
-                </a:solidFill>
-                <a:latin typeface="Noto Serif"/>
-              </a:rPr>
-              <a:t> </a:t>
-            </a:r>
-            <a:r>
-              <a:rPr lang="en-US" sz="2849" dirty="0" err="1">
-                <a:solidFill>
-                  <a:srgbClr val="273755"/>
-                </a:solidFill>
-                <a:latin typeface="Noto Serif"/>
-              </a:rPr>
-              <a:t>ảnh</a:t>
-            </a:r>
-            <a:r>
-              <a:rPr lang="en-US" sz="2849" dirty="0">
-                <a:solidFill>
-                  <a:srgbClr val="273755"/>
-                </a:solidFill>
-                <a:latin typeface="Noto Serif"/>
-              </a:rPr>
-              <a:t> </a:t>
-            </a:r>
-            <a:r>
-              <a:rPr lang="en-US" sz="2849" dirty="0" err="1">
-                <a:solidFill>
-                  <a:srgbClr val="273755"/>
-                </a:solidFill>
-                <a:latin typeface="Noto Serif"/>
-              </a:rPr>
-              <a:t>hưởng</a:t>
-            </a:r>
-            <a:r>
-              <a:rPr lang="en-US" sz="2849" dirty="0">
-                <a:solidFill>
-                  <a:srgbClr val="273755"/>
-                </a:solidFill>
-                <a:latin typeface="Noto Serif"/>
-              </a:rPr>
-              <a:t> </a:t>
-            </a:r>
-            <a:r>
-              <a:rPr lang="en-US" sz="2849" dirty="0" err="1">
-                <a:solidFill>
-                  <a:srgbClr val="273755"/>
-                </a:solidFill>
-                <a:latin typeface="Noto Serif"/>
-              </a:rPr>
-              <a:t>đến</a:t>
-            </a:r>
-            <a:r>
-              <a:rPr lang="en-US" sz="2849" dirty="0">
-                <a:solidFill>
-                  <a:srgbClr val="273755"/>
-                </a:solidFill>
-                <a:latin typeface="Noto Serif"/>
-              </a:rPr>
-              <a:t> </a:t>
-            </a:r>
-            <a:r>
-              <a:rPr lang="en-US" sz="2849" dirty="0" err="1">
-                <a:solidFill>
-                  <a:srgbClr val="273755"/>
-                </a:solidFill>
-                <a:latin typeface="Noto Serif"/>
-              </a:rPr>
-              <a:t>sự</a:t>
-            </a:r>
-            <a:r>
-              <a:rPr lang="en-US" sz="2849" dirty="0">
-                <a:solidFill>
-                  <a:srgbClr val="273755"/>
-                </a:solidFill>
-                <a:latin typeface="Noto Serif"/>
-              </a:rPr>
-              <a:t> delay.</a:t>
-            </a:r>
-          </a:p>
-          <a:p>
-            <a:pPr marL="307656" lvl="1">
-              <a:lnSpc>
-                <a:spcPts val="3989"/>
-              </a:lnSpc>
-            </a:pPr>
-            <a:r>
-              <a:rPr lang="en-US" sz="2849" dirty="0">
-                <a:solidFill>
-                  <a:srgbClr val="273755"/>
-                </a:solidFill>
-                <a:latin typeface="Noto Serif"/>
-              </a:rPr>
-              <a:t>    - </a:t>
-            </a:r>
-            <a:r>
-              <a:rPr lang="en-US" sz="2849" dirty="0" err="1">
-                <a:solidFill>
-                  <a:srgbClr val="273755"/>
-                </a:solidFill>
-                <a:latin typeface="Noto Serif"/>
-              </a:rPr>
-              <a:t>Những</a:t>
-            </a:r>
-            <a:r>
-              <a:rPr lang="en-US" sz="2849" dirty="0">
-                <a:solidFill>
-                  <a:srgbClr val="273755"/>
-                </a:solidFill>
-                <a:latin typeface="Noto Serif"/>
-              </a:rPr>
-              <a:t> </a:t>
-            </a:r>
-            <a:r>
-              <a:rPr lang="en-US" sz="2849" dirty="0" err="1">
-                <a:solidFill>
-                  <a:srgbClr val="273755"/>
-                </a:solidFill>
-                <a:latin typeface="Noto Serif"/>
-              </a:rPr>
-              <a:t>yếu</a:t>
-            </a:r>
-            <a:r>
-              <a:rPr lang="en-US" sz="2849" dirty="0">
-                <a:solidFill>
-                  <a:srgbClr val="273755"/>
-                </a:solidFill>
-                <a:latin typeface="Noto Serif"/>
-              </a:rPr>
-              <a:t> </a:t>
-            </a:r>
-            <a:r>
-              <a:rPr lang="en-US" sz="2849" dirty="0" err="1">
-                <a:solidFill>
-                  <a:srgbClr val="273755"/>
-                </a:solidFill>
-                <a:latin typeface="Noto Serif"/>
-              </a:rPr>
-              <a:t>tố</a:t>
-            </a:r>
-            <a:r>
-              <a:rPr lang="en-US" sz="2849" dirty="0">
-                <a:solidFill>
-                  <a:srgbClr val="273755"/>
-                </a:solidFill>
-                <a:latin typeface="Noto Serif"/>
-              </a:rPr>
-              <a:t> </a:t>
-            </a:r>
-            <a:r>
-              <a:rPr lang="en-US" sz="2849" dirty="0" err="1">
-                <a:solidFill>
-                  <a:srgbClr val="273755"/>
-                </a:solidFill>
-                <a:latin typeface="Noto Serif"/>
-              </a:rPr>
-              <a:t>nào</a:t>
-            </a:r>
-            <a:r>
-              <a:rPr lang="en-US" sz="2849" dirty="0">
-                <a:solidFill>
-                  <a:srgbClr val="273755"/>
-                </a:solidFill>
-                <a:latin typeface="Noto Serif"/>
-              </a:rPr>
-              <a:t> </a:t>
-            </a:r>
-            <a:r>
-              <a:rPr lang="en-US" sz="2849" dirty="0" err="1">
-                <a:solidFill>
-                  <a:srgbClr val="273755"/>
-                </a:solidFill>
-                <a:latin typeface="Noto Serif"/>
-              </a:rPr>
-              <a:t>tác</a:t>
-            </a:r>
-            <a:r>
-              <a:rPr lang="en-US" sz="2849" dirty="0">
-                <a:solidFill>
-                  <a:srgbClr val="273755"/>
-                </a:solidFill>
-                <a:latin typeface="Noto Serif"/>
-              </a:rPr>
-              <a:t> </a:t>
-            </a:r>
-            <a:r>
-              <a:rPr lang="en-US" sz="2849" dirty="0" err="1">
-                <a:solidFill>
-                  <a:srgbClr val="273755"/>
-                </a:solidFill>
-                <a:latin typeface="Noto Serif"/>
-              </a:rPr>
-              <a:t>động</a:t>
-            </a:r>
-            <a:r>
-              <a:rPr lang="en-US" sz="2849" dirty="0">
-                <a:solidFill>
-                  <a:srgbClr val="273755"/>
-                </a:solidFill>
-                <a:latin typeface="Noto Serif"/>
-              </a:rPr>
-              <a:t> </a:t>
-            </a:r>
-            <a:r>
-              <a:rPr lang="en-US" sz="2849" dirty="0" err="1">
-                <a:solidFill>
-                  <a:srgbClr val="273755"/>
-                </a:solidFill>
-                <a:latin typeface="Noto Serif"/>
-              </a:rPr>
-              <a:t>mạnh</a:t>
-            </a:r>
-            <a:r>
-              <a:rPr lang="en-US" sz="2849" dirty="0">
-                <a:solidFill>
-                  <a:srgbClr val="273755"/>
-                </a:solidFill>
-                <a:latin typeface="Noto Serif"/>
-              </a:rPr>
-              <a:t> </a:t>
-            </a:r>
-            <a:r>
-              <a:rPr lang="en-US" sz="2849" dirty="0" err="1">
-                <a:solidFill>
-                  <a:srgbClr val="273755"/>
-                </a:solidFill>
-                <a:latin typeface="Noto Serif"/>
-              </a:rPr>
-              <a:t>đến</a:t>
-            </a:r>
-            <a:r>
-              <a:rPr lang="en-US" sz="2849" dirty="0">
-                <a:solidFill>
-                  <a:srgbClr val="273755"/>
-                </a:solidFill>
-                <a:latin typeface="Noto Serif"/>
-              </a:rPr>
-              <a:t> </a:t>
-            </a:r>
-            <a:r>
-              <a:rPr lang="en-US" sz="2849" dirty="0" err="1">
-                <a:solidFill>
-                  <a:srgbClr val="273755"/>
-                </a:solidFill>
-                <a:latin typeface="Noto Serif"/>
-              </a:rPr>
-              <a:t>sự</a:t>
-            </a:r>
-            <a:r>
-              <a:rPr lang="en-US" sz="2849" dirty="0">
-                <a:solidFill>
-                  <a:srgbClr val="273755"/>
-                </a:solidFill>
-                <a:latin typeface="Noto Serif"/>
-              </a:rPr>
-              <a:t> delay.</a:t>
+              <a:t>   - What factors have a strong impact on delay?</a:t>
             </a:r>
           </a:p>
         </p:txBody>
@@ -11727,7 +9767,7 @@
                 </a:solidFill>
                 <a:latin typeface="Noto Serif Bold"/>
               </a:rPr>
-              <a:t>I. GIỚI THIỆU CHỦ ĐỀ</a:t>
+              <a:t>I. INTRODUCING THE TOPIC</a:t>
             </a:r>
           </a:p>
         </p:txBody>
@@ -11877,7 +9917,7 @@
         <p:spPr>
           <a:xfrm>
             <a:off x="1028700" y="2588047"/>
-            <a:ext cx="7411320" cy="5608651"/>
+            <a:ext cx="7411320" cy="4582729"/>
           </a:xfrm>
           <a:prstGeom prst="rect">
             <a:avLst/>
@@ -11895,32 +9935,21 @@
               </a:lnSpc>
             </a:pPr>
             <a:r>
-              <a:rPr lang="en-US" sz="2849" dirty="0" err="1">
-                <a:solidFill>
-                  <a:srgbClr val="273755"/>
-                </a:solidFill>
-                <a:latin typeface="Noto Serif"/>
-              </a:rPr>
-              <a:t>Dữ</a:t>
-            </a:r>
-            <a:r>
               <a:rPr lang="en-US" sz="2849" dirty="0">
                 <a:solidFill>
                   <a:srgbClr val="273755"/>
                 </a:solidFill>
                 <a:latin typeface="Noto Serif"/>
               </a:rPr>
-              <a:t> </a:t>
-            </a:r>
-            <a:r>
-              <a:rPr lang="en-US" sz="2849" dirty="0" err="1">
-                <a:solidFill>
-                  <a:srgbClr val="273755"/>
-                </a:solidFill>
-                <a:latin typeface="Noto Serif"/>
-              </a:rPr>
-              <a:t>liệu</a:t>
-            </a:r>
+              <a:t>Historical data of flight information around the world from January 2018</a:t>
+            </a:r>
+          </a:p>
+          <a:p>
+            <a:pPr>
+              <a:lnSpc>
+                <a:spcPts val="3989"/>
+              </a:lnSpc>
+            </a:pPr>
             <a:r>
               <a:rPr lang="en-US" sz="2849" dirty="0">
                 <a:solidFill>
@@ -11928,257 +9957,7 @@
                 </a:solidFill>
                 <a:latin typeface="Noto Serif"/>
               </a:rPr>
-              <a:t> </a:t>
-            </a:r>
-            <a:r>
-              <a:rPr lang="en-US" sz="2849" dirty="0" err="1">
-                <a:solidFill>
-                  <a:srgbClr val="273755"/>
-                </a:solidFill>
-                <a:latin typeface="Noto Serif"/>
-              </a:rPr>
-              <a:t>lịch</a:t>
-            </a:r>
-            <a:r>
-              <a:rPr lang="en-US" sz="2849" dirty="0">
-                <a:solidFill>
-                  <a:srgbClr val="273755"/>
-                </a:solidFill>
-                <a:latin typeface="Noto Serif"/>
-              </a:rPr>
-              <a:t> </a:t>
-            </a:r>
-            <a:r>
-              <a:rPr lang="en-US" sz="2849" dirty="0" err="1">
-                <a:solidFill>
-                  <a:srgbClr val="273755"/>
-                </a:solidFill>
-                <a:latin typeface="Noto Serif"/>
-              </a:rPr>
-              <a:t>sử</a:t>
-            </a:r>
-            <a:r>
-              <a:rPr lang="en-US" sz="2849" dirty="0">
-                <a:solidFill>
-                  <a:srgbClr val="273755"/>
-                </a:solidFill>
-                <a:latin typeface="Noto Serif"/>
-              </a:rPr>
-              <a:t> </a:t>
-            </a:r>
-            <a:r>
-              <a:rPr lang="en-US" sz="2849" dirty="0" err="1">
-                <a:solidFill>
-                  <a:srgbClr val="273755"/>
-                </a:solidFill>
-                <a:latin typeface="Noto Serif"/>
-              </a:rPr>
-              <a:t>các</a:t>
-            </a:r>
-            <a:r>
-              <a:rPr lang="en-US" sz="2849" dirty="0">
-                <a:solidFill>
-                  <a:srgbClr val="273755"/>
-                </a:solidFill>
-                <a:latin typeface="Noto Serif"/>
-              </a:rPr>
-              <a:t> </a:t>
-            </a:r>
-            <a:r>
-              <a:rPr lang="en-US" sz="2849" dirty="0" err="1">
-                <a:solidFill>
-                  <a:srgbClr val="273755"/>
-                </a:solidFill>
-                <a:latin typeface="Noto Serif"/>
-              </a:rPr>
-              <a:t>thông</a:t>
-            </a:r>
-            <a:r>
-              <a:rPr lang="en-US" sz="2849" dirty="0">
-                <a:solidFill>
-                  <a:srgbClr val="273755"/>
-                </a:solidFill>
-                <a:latin typeface="Noto Serif"/>
-              </a:rPr>
-              <a:t> tin </a:t>
-            </a:r>
-            <a:r>
-              <a:rPr lang="en-US" sz="2849" dirty="0" err="1">
-                <a:solidFill>
-                  <a:srgbClr val="273755"/>
-                </a:solidFill>
-                <a:latin typeface="Noto Serif"/>
-              </a:rPr>
-              <a:t>chuyến</a:t>
-            </a:r>
-            <a:r>
-              <a:rPr lang="en-US" sz="2849" dirty="0">
-                <a:solidFill>
-                  <a:srgbClr val="273755"/>
-                </a:solidFill>
-                <a:latin typeface="Noto Serif"/>
-              </a:rPr>
-              <a:t> bay </a:t>
-            </a:r>
-            <a:r>
-              <a:rPr lang="en-US" sz="2849" dirty="0" err="1">
-                <a:solidFill>
-                  <a:srgbClr val="273755"/>
-                </a:solidFill>
-                <a:latin typeface="Noto Serif"/>
-              </a:rPr>
-              <a:t>trên</a:t>
-            </a:r>
-            <a:r>
-              <a:rPr lang="en-US" sz="2849" dirty="0">
-                <a:solidFill>
-                  <a:srgbClr val="273755"/>
-                </a:solidFill>
-                <a:latin typeface="Noto Serif"/>
-              </a:rPr>
-              <a:t> </a:t>
-            </a:r>
-            <a:r>
-              <a:rPr lang="en-US" sz="2849" dirty="0" err="1">
-                <a:solidFill>
-                  <a:srgbClr val="273755"/>
-                </a:solidFill>
-                <a:latin typeface="Noto Serif"/>
-              </a:rPr>
-              <a:t>thế</a:t>
-            </a:r>
-            <a:r>
-              <a:rPr lang="en-US" sz="2849" dirty="0">
-                <a:solidFill>
-                  <a:srgbClr val="273755"/>
-                </a:solidFill>
-                <a:latin typeface="Noto Serif"/>
-              </a:rPr>
-              <a:t> </a:t>
-            </a:r>
-            <a:r>
-              <a:rPr lang="en-US" sz="2849" dirty="0" err="1">
-                <a:solidFill>
-                  <a:srgbClr val="273755"/>
-                </a:solidFill>
-                <a:latin typeface="Noto Serif"/>
-              </a:rPr>
-              <a:t>giới</a:t>
-            </a:r>
-            <a:r>
-              <a:rPr lang="en-US" sz="2849" dirty="0">
-                <a:solidFill>
-                  <a:srgbClr val="273755"/>
-                </a:solidFill>
-                <a:latin typeface="Noto Serif"/>
-              </a:rPr>
-              <a:t> </a:t>
-            </a:r>
-            <a:r>
-              <a:rPr lang="en-US" sz="2849" dirty="0" err="1">
-                <a:solidFill>
-                  <a:srgbClr val="273755"/>
-                </a:solidFill>
-                <a:latin typeface="Noto Serif"/>
-              </a:rPr>
-              <a:t>từ</a:t>
-            </a:r>
-            <a:r>
-              <a:rPr lang="en-US" sz="2849" dirty="0">
-                <a:solidFill>
-                  <a:srgbClr val="273755"/>
-                </a:solidFill>
-                <a:latin typeface="Noto Serif"/>
-              </a:rPr>
-              <a:t> </a:t>
-            </a:r>
-            <a:r>
-              <a:rPr lang="en-US" sz="2849" dirty="0" err="1">
-                <a:solidFill>
-                  <a:srgbClr val="273755"/>
-                </a:solidFill>
-                <a:latin typeface="Noto Serif"/>
-              </a:rPr>
-              <a:t>tháng</a:t>
-            </a:r>
-            <a:r>
-              <a:rPr lang="en-US" sz="2849" dirty="0">
-                <a:solidFill>
-                  <a:srgbClr val="273755"/>
-                </a:solidFill>
-                <a:latin typeface="Noto Serif"/>
-              </a:rPr>
-              <a:t> 1 </a:t>
-            </a:r>
-            <a:r>
-              <a:rPr lang="en-US" sz="2849" dirty="0" err="1">
-                <a:solidFill>
-                  <a:srgbClr val="273755"/>
-                </a:solidFill>
-                <a:latin typeface="Noto Serif"/>
-              </a:rPr>
-              <a:t>năm</a:t>
-            </a:r>
-            <a:r>
-              <a:rPr lang="en-US" sz="2849" dirty="0">
-                <a:solidFill>
-                  <a:srgbClr val="273755"/>
-                </a:solidFill>
-                <a:latin typeface="Noto Serif"/>
-              </a:rPr>
-              <a:t> 2018 </a:t>
-            </a:r>
-          </a:p>
-          <a:p>
-            <a:pPr>
-              <a:lnSpc>
-                <a:spcPts val="3989"/>
-              </a:lnSpc>
-            </a:pPr>
-            <a:r>
-              <a:rPr lang="en-US" sz="2849" dirty="0">
-                <a:solidFill>
-                  <a:srgbClr val="273755"/>
-                </a:solidFill>
-                <a:latin typeface="Noto Serif"/>
-              </a:rPr>
-              <a:t>(4078318 </a:t>
-            </a:r>
-            <a:r>
-              <a:rPr lang="en-US" sz="2849" dirty="0" err="1">
-                <a:solidFill>
-                  <a:srgbClr val="273755"/>
-                </a:solidFill>
-                <a:latin typeface="Noto Serif"/>
-              </a:rPr>
-              <a:t>dòng</a:t>
-            </a:r>
-            <a:r>
-              <a:rPr lang="en-US" sz="2849" dirty="0">
-                <a:solidFill>
-                  <a:srgbClr val="273755"/>
-                </a:solidFill>
-                <a:latin typeface="Noto Serif"/>
-              </a:rPr>
-              <a:t>, 47 </a:t>
-            </a:r>
-            <a:r>
-              <a:rPr lang="en-US" sz="2849" dirty="0" err="1">
-                <a:solidFill>
-                  <a:srgbClr val="273755"/>
-                </a:solidFill>
-                <a:latin typeface="Noto Serif"/>
-              </a:rPr>
-              <a:t>cột</a:t>
-            </a:r>
-            <a:r>
-              <a:rPr lang="en-US" sz="2849" dirty="0">
-                <a:solidFill>
-                  <a:srgbClr val="273755"/>
-                </a:solidFill>
-                <a:latin typeface="Noto Serif"/>
-              </a:rPr>
-              <a:t>)</a:t>
+              <a:t>(4078318 rows, 47 columns)</a:t>
             </a:r>
           </a:p>
           <a:p>
@@ -12200,53 +9979,33 @@
                 <a:spcPts val="3989"/>
               </a:lnSpc>
             </a:pPr>
-            <a:endParaRPr lang="en-US" sz="2849" dirty="0">
-              <a:solidFill>
-                <a:srgbClr val="273755"/>
-              </a:solidFill>
-              <a:latin typeface="Noto Serif"/>
-            </a:endParaRPr>
-          </a:p>
-          <a:p>
-            <a:pPr>
-              <a:lnSpc>
-                <a:spcPts val="3989"/>
-              </a:lnSpc>
-            </a:pPr>
-            <a:r>
-              <a:rPr lang="en-US" sz="2849" dirty="0" err="1">
+            <a:r>
+              <a:rPr lang="fr-FR" sz="2849" dirty="0">
                 <a:solidFill>
                   <a:srgbClr val="273755"/>
                 </a:solidFill>
                 <a:latin typeface="Noto Serif"/>
               </a:rPr>
-              <a:t>Nguồn</a:t>
-            </a:r>
-            <a:r>
-              <a:rPr lang="en-US" sz="2849" dirty="0">
+              <a:t>Source – </a:t>
+            </a:r>
+            <a:r>
+              <a:rPr lang="fr-FR" sz="2849" dirty="0" err="1">
                 <a:solidFill>
                   <a:srgbClr val="273755"/>
                 </a:solidFill>
                 <a:latin typeface="Noto Serif"/>
               </a:rPr>
-              <a:t> – Kaggle: </a:t>
-            </a:r>
-            <a:r>
-              <a:rPr lang="en-US" sz="2849" i="1" u="sng" dirty="0">
+              <a:t>Kaggle</a:t>
+            </a:r>
+            <a:r>
+              <a:rPr lang="fr-FR" sz="2849" dirty="0">
                 <a:solidFill>
                   <a:srgbClr val="273755"/>
                 </a:solidFill>
                 <a:latin typeface="Noto Serif"/>
               </a:rPr>
-              <a:t>https://www.kaggle.com/code/robikscube/flight-delay-exploratory-data-analysis-twitch/notebook</a:t>
-            </a:r>
-          </a:p>
-          <a:p>
-            <a:pPr>
-              <a:lnSpc>
-                <a:spcPts val="3989"/>
-              </a:lnSpc>
-            </a:pPr>
+              <a:t>: https://www.kaggle.com/code/robikscube/flight-delay-exploratory-data-analysis-twitch/notebook</a:t>
+            </a:r>
             <a:endParaRPr lang="en-US" sz="2849" i="1" u="sng" dirty="0">
               <a:solidFill>
                 <a:srgbClr val="273755"/>
@@ -13855,7 +11614,7 @@
                 </a:solidFill>
                 <a:latin typeface="Noto Serif Bold"/>
               </a:rPr>
-              <a:t>IV. MÔ HÌNH</a:t>
+              <a:t>IV. MODEL</a:t>
             </a:r>
           </a:p>
         </p:txBody>
@@ -13986,7 +11745,7 @@
           <p:nvPr>
             <p:extLst>
               <p:ext uri="{D42A27DB-BD31-4B8C-83A1-F6EECF244321}">
-                <p14:modId xmlns:p14="http://schemas.microsoft.com/office/powerpoint/2010/main" val="2568647230"/>
+                <p14:modId xmlns:p14="http://schemas.microsoft.com/office/powerpoint/2010/main" val="3327578564"/>
               </p:ext>
             </p:extLst>
           </p:nvPr>
@@ -14046,7 +11805,7 @@
                           <a:latin typeface="Times New Roman" panose="02020603050405020304" pitchFamily="18" charset="0"/>
                           <a:cs typeface="Times New Roman" panose="02020603050405020304" pitchFamily="18" charset="0"/>
                         </a:rPr>
-                        <a:t>THUẬT TOÁN</a:t>
+                        <a:t>ALGORITHM</a:t>
                       </a:r>
                     </a:p>
                   </a:txBody>
@@ -14106,7 +11865,7 @@
                           <a:latin typeface="Times New Roman" panose="02020603050405020304" pitchFamily="18" charset="0"/>
                           <a:cs typeface="Times New Roman" panose="02020603050405020304" pitchFamily="18" charset="0"/>
                         </a:rPr>
-                        <a:t>TRƯỚC KHI TỐI ƯU</a:t>
+                        <a:t>BEFORE OPTIMIZATION</a:t>
                       </a:r>
                     </a:p>
                   </a:txBody>
@@ -14166,7 +11925,7 @@
                           <a:latin typeface="Times New Roman" panose="02020603050405020304" pitchFamily="18" charset="0"/>
                           <a:cs typeface="Times New Roman" panose="02020603050405020304" pitchFamily="18" charset="0"/>
                         </a:rPr>
-                        <a:t>SIÊU THAM SỐ</a:t>
+                        <a:t>SUPER PARAMETER</a:t>
                       </a:r>
                     </a:p>
                   </a:txBody>
@@ -14226,7 +11985,7 @@
                           <a:latin typeface="Times New Roman" panose="02020603050405020304" pitchFamily="18" charset="0"/>
                           <a:cs typeface="Times New Roman" panose="02020603050405020304" pitchFamily="18" charset="0"/>
                         </a:rPr>
-                        <a:t>SAU KHI TỐI ƯU</a:t>
+                        <a:t>AFTER OPTIMIZATION</a:t>
                       </a:r>
                     </a:p>
                   </a:txBody>
@@ -14286,44 +12045,12 @@
                     <a:p>
                       <a:pPr algn="ctr"/>
                       <a:r>
-                        <a:rPr lang="en-US" sz="2000" dirty="0" err="1">
-                          <a:latin typeface="Times New Roman" panose="02020603050405020304" pitchFamily="18" charset="0"/>
-                          <a:cs typeface="Times New Roman" panose="02020603050405020304" pitchFamily="18" charset="0"/>
-                        </a:rPr>
-                        <a:t>Cây</a:t>
-                      </a:r>
-                      <a:r>
                         <a:rPr lang="en-US" sz="2000" dirty="0">
                           <a:latin typeface="Times New Roman" panose="02020603050405020304" pitchFamily="18" charset="0"/>
                           <a:cs typeface="Times New Roman" panose="02020603050405020304" pitchFamily="18" charset="0"/>
                         </a:rPr>
-                        <a:t> </a:t>
-                      </a:r>
-                      <a:r>
-                        <a:rPr lang="en-US" sz="2000" dirty="0" err="1">
-                          <a:latin typeface="Times New Roman" panose="02020603050405020304" pitchFamily="18" charset="0"/>
-                          <a:cs typeface="Times New Roman" panose="02020603050405020304" pitchFamily="18" charset="0"/>
-                        </a:rPr>
-                        <a:t>quyết</a:t>
-                      </a:r>
-                      <a:r>
-                        <a:rPr lang="en-US" sz="2000" dirty="0">
-                          <a:latin typeface="Times New Roman" panose="02020603050405020304" pitchFamily="18" charset="0"/>
-                          <a:cs typeface="Times New Roman" panose="02020603050405020304" pitchFamily="18" charset="0"/>
-                        </a:rPr>
-                        <a:t> </a:t>
-                      </a:r>
-                      <a:r>
-                        <a:rPr lang="en-US" sz="2000" dirty="0" err="1">
-                          <a:latin typeface="Times New Roman" panose="02020603050405020304" pitchFamily="18" charset="0"/>
-                          <a:cs typeface="Times New Roman" panose="02020603050405020304" pitchFamily="18" charset="0"/>
-                        </a:rPr>
-                        <a:t>định</a:t>
-                      </a:r>
-                      <a:endParaRPr lang="en-US" sz="2000" dirty="0">
-                        <a:latin typeface="Times New Roman" panose="02020603050405020304" pitchFamily="18" charset="0"/>
-                        <a:cs typeface="Times New Roman" panose="02020603050405020304" pitchFamily="18" charset="0"/>
-                      </a:endParaRPr>
+                        <a:t>Decision tree</a:t>
+                      </a:r>
                     </a:p>
                   </a:txBody>
                   <a:tcPr anchor="ctr">
@@ -14642,32 +12369,11 @@
                     <a:p>
                       <a:pPr algn="ctr"/>
                       <a:r>
-                        <a:rPr lang="en-US" sz="2000" dirty="0" err="1">
-                          <a:latin typeface="Times New Roman" panose="02020603050405020304" pitchFamily="18" charset="0"/>
-                          <a:cs typeface="Times New Roman" panose="02020603050405020304" pitchFamily="18" charset="0"/>
-                        </a:rPr>
-                        <a:t>Hồi</a:t>
-                      </a:r>
-                      <a:r>
                         <a:rPr lang="en-US" sz="2000" dirty="0">
                           <a:latin typeface="Times New Roman" panose="02020603050405020304" pitchFamily="18" charset="0"/>
                           <a:cs typeface="Times New Roman" panose="02020603050405020304" pitchFamily="18" charset="0"/>
                         </a:rPr>
-                        <a:t> </a:t>
-                      </a:r>
-                      <a:r>
-                        <a:rPr lang="en-US" sz="2000" dirty="0" err="1">
-                          <a:latin typeface="Times New Roman" panose="02020603050405020304" pitchFamily="18" charset="0"/>
-                          <a:cs typeface="Times New Roman" panose="02020603050405020304" pitchFamily="18" charset="0"/>
-                        </a:rPr>
-                        <a:t>quy</a:t>
-                      </a:r>
-                      <a:r>
-                        <a:rPr lang="en-US" sz="2000" dirty="0">
-                          <a:latin typeface="Times New Roman" panose="02020603050405020304" pitchFamily="18" charset="0"/>
-                          <a:cs typeface="Times New Roman" panose="02020603050405020304" pitchFamily="18" charset="0"/>
-                        </a:rPr>
-                        <a:t> Logistic</a:t>
+                        <a:t>Logistic Regression</a:t>
                       </a:r>
                     </a:p>
                   </a:txBody>
@@ -14970,44 +12676,12 @@
                     <a:p>
                       <a:pPr algn="ctr"/>
                       <a:r>
-                        <a:rPr lang="en-US" sz="2000" dirty="0" err="1">
-                          <a:latin typeface="Times New Roman" panose="02020603050405020304" pitchFamily="18" charset="0"/>
-                          <a:cs typeface="Times New Roman" panose="02020603050405020304" pitchFamily="18" charset="0"/>
-                        </a:rPr>
-                        <a:t>Rừng</a:t>
-                      </a:r>
-                      <a:r>
                         <a:rPr lang="en-US" sz="2000" dirty="0">
                           <a:latin typeface="Times New Roman" panose="02020603050405020304" pitchFamily="18" charset="0"/>
                           <a:cs typeface="Times New Roman" panose="02020603050405020304" pitchFamily="18" charset="0"/>
                         </a:rPr>
-                        <a:t> </a:t>
-                      </a:r>
-                      <a:r>
-                        <a:rPr lang="en-US" sz="2000" dirty="0" err="1">
-                          <a:latin typeface="Times New Roman" panose="02020603050405020304" pitchFamily="18" charset="0"/>
-                          <a:cs typeface="Times New Roman" panose="02020603050405020304" pitchFamily="18" charset="0"/>
-                        </a:rPr>
-                        <a:t>ngẫu</a:t>
-                      </a:r>
-                      <a:r>
-                        <a:rPr lang="en-US" sz="2000" dirty="0">
-                          <a:latin typeface="Times New Roman" panose="02020603050405020304" pitchFamily="18" charset="0"/>
-                          <a:cs typeface="Times New Roman" panose="02020603050405020304" pitchFamily="18" charset="0"/>
-                        </a:rPr>
-                        <a:t> </a:t>
-                      </a:r>
-                      <a:r>
-                        <a:rPr lang="en-US" sz="2000" dirty="0" err="1">
-                          <a:latin typeface="Times New Roman" panose="02020603050405020304" pitchFamily="18" charset="0"/>
-                          <a:cs typeface="Times New Roman" panose="02020603050405020304" pitchFamily="18" charset="0"/>
-                        </a:rPr>
-                        <a:t>nhiên</a:t>
-                      </a:r>
-                      <a:endParaRPr lang="en-US" sz="2000" dirty="0">
-                        <a:latin typeface="Times New Roman" panose="02020603050405020304" pitchFamily="18" charset="0"/>
-                        <a:cs typeface="Times New Roman" panose="02020603050405020304" pitchFamily="18" charset="0"/>
-                      </a:endParaRPr>
+                        <a:t>Random forest</a:t>
+                      </a:r>
                     </a:p>
                   </a:txBody>
                   <a:tcPr anchor="ctr">

--- a/Presentation/Nhom01.pptx
+++ b/Presentation/Nhom01.pptx
@@ -10272,7 +10272,7 @@
         <p:spPr>
           <a:xfrm>
             <a:off x="1028700" y="2588047"/>
-            <a:ext cx="7411320" cy="7147534"/>
+            <a:ext cx="7411320" cy="6634573"/>
           </a:xfrm>
           <a:prstGeom prst="rect">
             <a:avLst/>
@@ -10290,7 +10290,7 @@
               </a:lnSpc>
             </a:pPr>
             <a:r>
-              <a:rPr lang="en-US" sz="2849">
+              <a:rPr lang="en-US" sz="2849" dirty="0">
                 <a:solidFill>
                   <a:srgbClr val="273755"/>
                 </a:solidFill>
@@ -10306,7 +10306,7 @@
               </a:lnSpc>
             </a:pPr>
             <a:r>
-              <a:rPr lang="en-US" sz="2849">
+              <a:rPr lang="en-US" sz="2849" dirty="0">
                 <a:solidFill>
                   <a:srgbClr val="273755"/>
                 </a:solidFill>
@@ -10322,14 +10322,29 @@
               </a:lnSpc>
             </a:pPr>
             <a:r>
-              <a:rPr lang="en-US" sz="2849">
+              <a:rPr lang="en-US" sz="2849" dirty="0">
                 <a:solidFill>
                   <a:srgbClr val="273755"/>
                 </a:solidFill>
                 <a:latin typeface="Noto Serif"/>
               </a:rPr>
-              <a:t>    - FlightNumber</a:t>
-            </a:r>
+              <a:t>    - </a:t>
+            </a:r>
+            <a:r>
+              <a:rPr lang="en-US" sz="2849" dirty="0" err="1">
+                <a:solidFill>
+                  <a:srgbClr val="273755"/>
+                </a:solidFill>
+                <a:latin typeface="Noto Serif"/>
+              </a:rPr>
+              <a:t>FlightNumber</a:t>
+            </a:r>
+            <a:endParaRPr lang="en-US" sz="2849" dirty="0">
+              <a:solidFill>
+                <a:srgbClr val="273755"/>
+              </a:solidFill>
+              <a:latin typeface="Noto Serif"/>
+            </a:endParaRPr>
           </a:p>
           <a:p>
             <a:pPr marL="307656" lvl="1">
@@ -10338,13 +10353,31 @@
               </a:lnSpc>
             </a:pPr>
             <a:r>
-              <a:rPr lang="en-US" sz="2849">
+              <a:rPr lang="en-US" sz="2849" dirty="0">
                 <a:solidFill>
                   <a:srgbClr val="273755"/>
                 </a:solidFill>
                 <a:latin typeface="Noto Serif"/>
               </a:rPr>
-              <a:t>    - DepTime: 1202 (12h02p)</a:t>
+              <a:t>    - </a:t>
+            </a:r>
+            <a:r>
+              <a:rPr lang="en-US" sz="2849" dirty="0" err="1">
+                <a:solidFill>
+                  <a:srgbClr val="273755"/>
+                </a:solidFill>
+                <a:latin typeface="Noto Serif"/>
+              </a:rPr>
+              <a:t>DepTime</a:t>
+            </a:r>
+            <a:r>
+              <a:rPr lang="en-US" sz="2849" dirty="0">
+                <a:solidFill>
+                  <a:srgbClr val="273755"/>
+                </a:solidFill>
+                <a:latin typeface="Noto Serif"/>
+              </a:rPr>
+              <a:t>: 1202 (12h02p)</a:t>
             </a:r>
           </a:p>
           <a:p>
@@ -10354,13 +10387,31 @@
               </a:lnSpc>
             </a:pPr>
             <a:r>
-              <a:rPr lang="en-US" sz="2849">
+              <a:rPr lang="en-US" sz="2849" dirty="0">
                 <a:solidFill>
                   <a:srgbClr val="273755"/>
                 </a:solidFill>
                 <a:latin typeface="Noto Serif"/>
               </a:rPr>
-              <a:t>    - ArrTime: 1402 (12h02p)</a:t>
+              <a:t>    - </a:t>
+            </a:r>
+            <a:r>
+              <a:rPr lang="en-US" sz="2849" dirty="0" err="1">
+                <a:solidFill>
+                  <a:srgbClr val="273755"/>
+                </a:solidFill>
+                <a:latin typeface="Noto Serif"/>
+              </a:rPr>
+              <a:t>ArrTime</a:t>
+            </a:r>
+            <a:r>
+              <a:rPr lang="en-US" sz="2849" dirty="0">
+                <a:solidFill>
+                  <a:srgbClr val="273755"/>
+                </a:solidFill>
+                <a:latin typeface="Noto Serif"/>
+              </a:rPr>
+              <a:t>: 1402 (12h02p)</a:t>
             </a:r>
           </a:p>
           <a:p>
@@ -10370,7 +10421,7 @@
               </a:lnSpc>
             </a:pPr>
             <a:r>
-              <a:rPr lang="en-US" sz="2849">
+              <a:rPr lang="en-US" sz="2849" dirty="0">
                 <a:solidFill>
                   <a:srgbClr val="273755"/>
                 </a:solidFill>
@@ -10386,14 +10437,29 @@
               </a:lnSpc>
             </a:pPr>
             <a:r>
-              <a:rPr lang="en-US" sz="2849">
+              <a:rPr lang="en-US" sz="2849" dirty="0">
                 <a:solidFill>
                   <a:srgbClr val="273755"/>
                 </a:solidFill>
                 <a:latin typeface="Noto Serif"/>
               </a:rPr>
-              <a:t>    - OriginAirport</a:t>
-            </a:r>
+              <a:t>    - </a:t>
+            </a:r>
+            <a:r>
+              <a:rPr lang="en-US" sz="2849" dirty="0" err="1">
+                <a:solidFill>
+                  <a:srgbClr val="273755"/>
+                </a:solidFill>
+                <a:latin typeface="Noto Serif"/>
+              </a:rPr>
+              <a:t>OriginAirport</a:t>
+            </a:r>
+            <a:endParaRPr lang="en-US" sz="2849" dirty="0">
+              <a:solidFill>
+                <a:srgbClr val="273755"/>
+              </a:solidFill>
+              <a:latin typeface="Noto Serif"/>
+            </a:endParaRPr>
           </a:p>
           <a:p>
             <a:pPr marL="307656" lvl="1">
@@ -10402,14 +10468,29 @@
               </a:lnSpc>
             </a:pPr>
             <a:r>
-              <a:rPr lang="en-US" sz="2849">
+              <a:rPr lang="en-US" sz="2849" dirty="0">
                 <a:solidFill>
                   <a:srgbClr val="273755"/>
                 </a:solidFill>
                 <a:latin typeface="Noto Serif"/>
               </a:rPr>
-              <a:t>    - DestAiport</a:t>
-            </a:r>
+              <a:t>    - </a:t>
+            </a:r>
+            <a:r>
+              <a:rPr lang="en-US" sz="2849" dirty="0" err="1">
+                <a:solidFill>
+                  <a:srgbClr val="273755"/>
+                </a:solidFill>
+                <a:latin typeface="Noto Serif"/>
+              </a:rPr>
+              <a:t>DestAiport</a:t>
+            </a:r>
+            <a:endParaRPr lang="en-US" sz="2849" dirty="0">
+              <a:solidFill>
+                <a:srgbClr val="273755"/>
+              </a:solidFill>
+              <a:latin typeface="Noto Serif"/>
+            </a:endParaRPr>
           </a:p>
           <a:p>
             <a:pPr marL="307656" lvl="1">
@@ -10418,14 +10499,29 @@
               </a:lnSpc>
             </a:pPr>
             <a:r>
-              <a:rPr lang="en-US" sz="2849">
+              <a:rPr lang="en-US" sz="2849" dirty="0">
                 <a:solidFill>
                   <a:srgbClr val="273755"/>
                 </a:solidFill>
                 <a:latin typeface="Noto Serif"/>
               </a:rPr>
-              <a:t>    - DayOfWeek</a:t>
-            </a:r>
+              <a:t>    - </a:t>
+            </a:r>
+            <a:r>
+              <a:rPr lang="en-US" sz="2849" dirty="0" err="1">
+                <a:solidFill>
+                  <a:srgbClr val="273755"/>
+                </a:solidFill>
+                <a:latin typeface="Noto Serif"/>
+              </a:rPr>
+              <a:t>DayOfWeek</a:t>
+            </a:r>
+            <a:endParaRPr lang="en-US" sz="2849" dirty="0">
+              <a:solidFill>
+                <a:srgbClr val="273755"/>
+              </a:solidFill>
+              <a:latin typeface="Noto Serif"/>
+            </a:endParaRPr>
           </a:p>
           <a:p>
             <a:pPr marL="307656" lvl="1">
@@ -10434,7 +10530,7 @@
               </a:lnSpc>
             </a:pPr>
             <a:r>
-              <a:rPr lang="en-US" sz="2849">
+              <a:rPr lang="en-US" sz="2849" dirty="0">
                 <a:solidFill>
                   <a:srgbClr val="273755"/>
                 </a:solidFill>
@@ -10450,7 +10546,7 @@
               </a:lnSpc>
             </a:pPr>
             <a:r>
-              <a:rPr lang="en-US" sz="2849">
+              <a:rPr lang="en-US" sz="2849" dirty="0">
                 <a:solidFill>
                   <a:srgbClr val="273755"/>
                 </a:solidFill>
@@ -10466,33 +10562,32 @@
               </a:lnSpc>
             </a:pPr>
             <a:r>
-              <a:rPr lang="en-US" sz="2849">
+              <a:rPr lang="en-US" sz="2849" dirty="0">
                 <a:solidFill>
                   <a:srgbClr val="273755"/>
                 </a:solidFill>
                 <a:latin typeface="Noto Serif"/>
               </a:rPr>
-              <a:t>OUTPUT: Delayed (Với những chuyến bay có thời gian hạ cánh ArrDelay  &gt;= 15 phút)</a:t>
-            </a:r>
-            <a:endParaRPr lang="en-US" sz="2849" dirty="0">
-              <a:solidFill>
-                <a:srgbClr val="273755"/>
-              </a:solidFill>
-              <a:latin typeface="Noto Serif"/>
-            </a:endParaRPr>
-          </a:p>
-          <a:p>
-            <a:pPr>
-              <a:lnSpc>
-                <a:spcPts val="3989"/>
-              </a:lnSpc>
-            </a:pPr>
-            <a:endParaRPr lang="en-US" sz="2849" dirty="0">
-              <a:solidFill>
-                <a:srgbClr val="273755"/>
-              </a:solidFill>
-              <a:latin typeface="Noto Serif"/>
-            </a:endParaRPr>
+              <a:t>OUTPUT: Delayed (For flights with landing time </a:t>
+            </a:r>
+            <a:r>
+              <a:rPr lang="en-US" sz="2849" dirty="0" err="1">
+                <a:solidFill>
+                  <a:srgbClr val="273755"/>
+                </a:solidFill>
+                <a:latin typeface="Noto Serif"/>
+              </a:rPr>
+              <a:t>ArrDelay</a:t>
+            </a:r>
+            <a:r>
+              <a:rPr lang="en-US" sz="2849" dirty="0">
+                <a:solidFill>
+                  <a:srgbClr val="273755"/>
+                </a:solidFill>
+                <a:latin typeface="Noto Serif"/>
+              </a:rPr>
+              <a:t> &gt;= 15 minutes)</a:t>
+            </a:r>
           </a:p>
         </p:txBody>
       </p:sp>
